--- a/docs/Teen Mental Health Presentation.pptx
+++ b/docs/Teen Mental Health Presentation.pptx
@@ -217,7 +217,7 @@
           <p:cNvPr id="3" name="Date Placeholder 2">
             <a:extLst>
               <a:ext uri="{FF2B5EF4-FFF2-40B4-BE49-F238E27FC236}">
-                <a16:creationId xmlns:a16="http://schemas.microsoft.com/office/drawing/2014/main" xmlns="" id="{F40C5F7C-3F93-522E-4DB1-E016D699CBB6}"/>
+                <a16:creationId xmlns="" xmlns:a16="http://schemas.microsoft.com/office/drawing/2014/main" id="{F40C5F7C-3F93-522E-4DB1-E016D699CBB6}"/>
               </a:ext>
             </a:extLst>
           </p:cNvPr>
@@ -258,7 +258,7 @@
           <p:cNvPr id="4" name="Footer Placeholder 3">
             <a:extLst>
               <a:ext uri="{FF2B5EF4-FFF2-40B4-BE49-F238E27FC236}">
-                <a16:creationId xmlns:a16="http://schemas.microsoft.com/office/drawing/2014/main" xmlns="" id="{82DB79D9-119F-07C7-DC8E-1956644EEE97}"/>
+                <a16:creationId xmlns="" xmlns:a16="http://schemas.microsoft.com/office/drawing/2014/main" id="{82DB79D9-119F-07C7-DC8E-1956644EEE97}"/>
               </a:ext>
             </a:extLst>
           </p:cNvPr>
@@ -295,7 +295,7 @@
           <p:cNvPr id="5" name="Slide Number Placeholder 4">
             <a:extLst>
               <a:ext uri="{FF2B5EF4-FFF2-40B4-BE49-F238E27FC236}">
-                <a16:creationId xmlns:a16="http://schemas.microsoft.com/office/drawing/2014/main" xmlns="" id="{30B67CF1-7BD0-9ABA-036D-3A8479FC0985}"/>
+                <a16:creationId xmlns="" xmlns:a16="http://schemas.microsoft.com/office/drawing/2014/main" id="{30B67CF1-7BD0-9ABA-036D-3A8479FC0985}"/>
               </a:ext>
             </a:extLst>
           </p:cNvPr>
@@ -699,7 +699,7 @@
         <p:cNvPr id="1" name="">
           <a:extLst>
             <a:ext uri="{FF2B5EF4-FFF2-40B4-BE49-F238E27FC236}">
-              <a16:creationId xmlns:a16="http://schemas.microsoft.com/office/drawing/2014/main" xmlns="" id="{03DF2165-AECD-AC0B-0A46-19E82DC25772}"/>
+              <a16:creationId xmlns="" xmlns:a16="http://schemas.microsoft.com/office/drawing/2014/main" id="{03DF2165-AECD-AC0B-0A46-19E82DC25772}"/>
             </a:ext>
           </a:extLst>
         </p:cNvPr>
@@ -719,7 +719,7 @@
           <p:cNvPr id="2" name="Slide Image Placeholder 1">
             <a:extLst>
               <a:ext uri="{FF2B5EF4-FFF2-40B4-BE49-F238E27FC236}">
-                <a16:creationId xmlns:a16="http://schemas.microsoft.com/office/drawing/2014/main" xmlns="" id="{2910EBC2-FFC3-2482-86CA-A129EAAABBC5}"/>
+                <a16:creationId xmlns="" xmlns:a16="http://schemas.microsoft.com/office/drawing/2014/main" id="{2910EBC2-FFC3-2482-86CA-A129EAAABBC5}"/>
               </a:ext>
             </a:extLst>
           </p:cNvPr>
@@ -737,7 +737,7 @@
           <p:cNvPr id="3" name="Notes Placeholder 2">
             <a:extLst>
               <a:ext uri="{FF2B5EF4-FFF2-40B4-BE49-F238E27FC236}">
-                <a16:creationId xmlns:a16="http://schemas.microsoft.com/office/drawing/2014/main" xmlns="" id="{48704D6B-CA75-C920-89B4-EA8B79E6D4DB}"/>
+                <a16:creationId xmlns="" xmlns:a16="http://schemas.microsoft.com/office/drawing/2014/main" id="{48704D6B-CA75-C920-89B4-EA8B79E6D4DB}"/>
               </a:ext>
             </a:extLst>
           </p:cNvPr>
@@ -762,7 +762,7 @@
           <p:cNvPr id="4" name="Slide Number Placeholder 3">
             <a:extLst>
               <a:ext uri="{FF2B5EF4-FFF2-40B4-BE49-F238E27FC236}">
-                <a16:creationId xmlns:a16="http://schemas.microsoft.com/office/drawing/2014/main" xmlns="" id="{16C1BFD7-3F26-AFD4-F030-DBE1AE11C1D7}"/>
+                <a16:creationId xmlns="" xmlns:a16="http://schemas.microsoft.com/office/drawing/2014/main" id="{16C1BFD7-3F26-AFD4-F030-DBE1AE11C1D7}"/>
               </a:ext>
             </a:extLst>
           </p:cNvPr>
@@ -1585,10 +1585,10 @@
           <p:cNvPr id="29" name="Freeform: Shape 28">
             <a:extLst>
               <a:ext uri="{FF2B5EF4-FFF2-40B4-BE49-F238E27FC236}">
-                <a16:creationId xmlns:a16="http://schemas.microsoft.com/office/drawing/2014/main" xmlns="" id="{4D792B1F-855B-FC83-1023-94C0976E9848}"/>
+                <a16:creationId xmlns="" xmlns:a16="http://schemas.microsoft.com/office/drawing/2014/main" id="{4D792B1F-855B-FC83-1023-94C0976E9848}"/>
               </a:ext>
               <a:ext uri="{C183D7F6-B498-43B3-948B-1728B52AA6E4}">
-                <adec:decorative xmlns:adec="http://schemas.microsoft.com/office/drawing/2017/decorative" xmlns="" val="1"/>
+                <adec:decorative xmlns="" xmlns:adec="http://schemas.microsoft.com/office/drawing/2017/decorative" val="1"/>
               </a:ext>
             </a:extLst>
           </p:cNvPr>
@@ -1787,10 +1787,10 @@
           <p:cNvPr id="7" name="Freeform: Shape 6">
             <a:extLst>
               <a:ext uri="{FF2B5EF4-FFF2-40B4-BE49-F238E27FC236}">
-                <a16:creationId xmlns:a16="http://schemas.microsoft.com/office/drawing/2014/main" xmlns="" id="{EF359D7C-AC03-77FE-CA1D-B96B46B08D16}"/>
+                <a16:creationId xmlns="" xmlns:a16="http://schemas.microsoft.com/office/drawing/2014/main" id="{EF359D7C-AC03-77FE-CA1D-B96B46B08D16}"/>
               </a:ext>
               <a:ext uri="{C183D7F6-B498-43B3-948B-1728B52AA6E4}">
-                <adec:decorative xmlns:adec="http://schemas.microsoft.com/office/drawing/2017/decorative" xmlns="" val="1"/>
+                <adec:decorative xmlns="" xmlns:adec="http://schemas.microsoft.com/office/drawing/2017/decorative" val="1"/>
               </a:ext>
             </a:extLst>
           </p:cNvPr>
@@ -2117,10 +2117,10 @@
           <p:cNvPr id="34" name="Freeform: Shape 33">
             <a:extLst>
               <a:ext uri="{FF2B5EF4-FFF2-40B4-BE49-F238E27FC236}">
-                <a16:creationId xmlns:a16="http://schemas.microsoft.com/office/drawing/2014/main" xmlns="" id="{C9AA487F-3729-4692-1A21-35558A2D840B}"/>
+                <a16:creationId xmlns="" xmlns:a16="http://schemas.microsoft.com/office/drawing/2014/main" id="{C9AA487F-3729-4692-1A21-35558A2D840B}"/>
               </a:ext>
               <a:ext uri="{C183D7F6-B498-43B3-948B-1728B52AA6E4}">
-                <adec:decorative xmlns:adec="http://schemas.microsoft.com/office/drawing/2017/decorative" xmlns="" val="1"/>
+                <adec:decorative xmlns="" xmlns:adec="http://schemas.microsoft.com/office/drawing/2017/decorative" val="1"/>
               </a:ext>
             </a:extLst>
           </p:cNvPr>
@@ -2242,10 +2242,10 @@
           <p:cNvPr id="23" name="Freeform: Shape 22">
             <a:extLst>
               <a:ext uri="{FF2B5EF4-FFF2-40B4-BE49-F238E27FC236}">
-                <a16:creationId xmlns:a16="http://schemas.microsoft.com/office/drawing/2014/main" xmlns="" id="{84B8E19A-569B-855B-EBF8-C02F2998ABC8}"/>
+                <a16:creationId xmlns="" xmlns:a16="http://schemas.microsoft.com/office/drawing/2014/main" id="{84B8E19A-569B-855B-EBF8-C02F2998ABC8}"/>
               </a:ext>
               <a:ext uri="{C183D7F6-B498-43B3-948B-1728B52AA6E4}">
-                <adec:decorative xmlns:adec="http://schemas.microsoft.com/office/drawing/2017/decorative" xmlns="" val="1"/>
+                <adec:decorative xmlns="" xmlns:adec="http://schemas.microsoft.com/office/drawing/2017/decorative" val="1"/>
               </a:ext>
             </a:extLst>
           </p:cNvPr>
@@ -4877,7 +4877,7 @@
           <p:cNvPr id="2" name="Title 1">
             <a:extLst>
               <a:ext uri="{FF2B5EF4-FFF2-40B4-BE49-F238E27FC236}">
-                <a16:creationId xmlns:a16="http://schemas.microsoft.com/office/drawing/2014/main" xmlns="" id="{C9EEA626-63D9-B376-D5C7-F7B224767D92}"/>
+                <a16:creationId xmlns="" xmlns:a16="http://schemas.microsoft.com/office/drawing/2014/main" id="{C9EEA626-63D9-B376-D5C7-F7B224767D92}"/>
               </a:ext>
             </a:extLst>
           </p:cNvPr>
@@ -4952,10 +4952,10 @@
           <p:cNvPr id="17" name="Freeform: Shape 51">
             <a:extLst>
               <a:ext uri="{FF2B5EF4-FFF2-40B4-BE49-F238E27FC236}">
-                <a16:creationId xmlns:a16="http://schemas.microsoft.com/office/drawing/2014/main" xmlns="" id="{4A781A8E-199F-1F48-C80E-B6501B563323}"/>
+                <a16:creationId xmlns="" xmlns:a16="http://schemas.microsoft.com/office/drawing/2014/main" id="{4A781A8E-199F-1F48-C80E-B6501B563323}"/>
               </a:ext>
               <a:ext uri="{C183D7F6-B498-43B3-948B-1728B52AA6E4}">
-                <adec:decorative xmlns:adec="http://schemas.microsoft.com/office/drawing/2017/decorative" xmlns="" val="1"/>
+                <adec:decorative xmlns="" xmlns:adec="http://schemas.microsoft.com/office/drawing/2017/decorative" val="1"/>
               </a:ext>
             </a:extLst>
           </p:cNvPr>
@@ -5076,10 +5076,10 @@
           <p:cNvPr id="24" name="Freeform: Shape 23">
             <a:extLst>
               <a:ext uri="{FF2B5EF4-FFF2-40B4-BE49-F238E27FC236}">
-                <a16:creationId xmlns:a16="http://schemas.microsoft.com/office/drawing/2014/main" xmlns="" id="{11C6679A-1B60-DCCD-7295-255649B92C60}"/>
+                <a16:creationId xmlns="" xmlns:a16="http://schemas.microsoft.com/office/drawing/2014/main" id="{11C6679A-1B60-DCCD-7295-255649B92C60}"/>
               </a:ext>
               <a:ext uri="{C183D7F6-B498-43B3-948B-1728B52AA6E4}">
-                <adec:decorative xmlns:adec="http://schemas.microsoft.com/office/drawing/2017/decorative" xmlns="" val="1"/>
+                <adec:decorative xmlns="" xmlns:adec="http://schemas.microsoft.com/office/drawing/2017/decorative" val="1"/>
               </a:ext>
             </a:extLst>
           </p:cNvPr>
@@ -5334,10 +5334,10 @@
           <p:cNvPr id="6" name="Freeform: Shape 22">
             <a:extLst>
               <a:ext uri="{FF2B5EF4-FFF2-40B4-BE49-F238E27FC236}">
-                <a16:creationId xmlns:a16="http://schemas.microsoft.com/office/drawing/2014/main" xmlns="" id="{1C466053-4CA7-4CBB-C1D2-19FE899BEDFC}"/>
+                <a16:creationId xmlns="" xmlns:a16="http://schemas.microsoft.com/office/drawing/2014/main" id="{1C466053-4CA7-4CBB-C1D2-19FE899BEDFC}"/>
               </a:ext>
               <a:ext uri="{C183D7F6-B498-43B3-948B-1728B52AA6E4}">
-                <adec:decorative xmlns:adec="http://schemas.microsoft.com/office/drawing/2017/decorative" xmlns="" val="1"/>
+                <adec:decorative xmlns="" xmlns:adec="http://schemas.microsoft.com/office/drawing/2017/decorative" val="1"/>
               </a:ext>
             </a:extLst>
           </p:cNvPr>
@@ -6353,10 +6353,10 @@
           <p:cNvPr id="18" name="Straight Connector 17">
             <a:extLst>
               <a:ext uri="{FF2B5EF4-FFF2-40B4-BE49-F238E27FC236}">
-                <a16:creationId xmlns:a16="http://schemas.microsoft.com/office/drawing/2014/main" xmlns="" id="{1100480F-88D3-CF82-FAF8-9527C86BCAE2}"/>
+                <a16:creationId xmlns="" xmlns:a16="http://schemas.microsoft.com/office/drawing/2014/main" id="{1100480F-88D3-CF82-FAF8-9527C86BCAE2}"/>
               </a:ext>
               <a:ext uri="{C183D7F6-B498-43B3-948B-1728B52AA6E4}">
-                <adec:decorative xmlns:adec="http://schemas.microsoft.com/office/drawing/2017/decorative" xmlns="" val="1"/>
+                <adec:decorative xmlns="" xmlns:adec="http://schemas.microsoft.com/office/drawing/2017/decorative" val="1"/>
               </a:ext>
             </a:extLst>
           </p:cNvPr>
@@ -6399,7 +6399,7 @@
           <p:cNvPr id="5" name="Title 1">
             <a:extLst>
               <a:ext uri="{FF2B5EF4-FFF2-40B4-BE49-F238E27FC236}">
-                <a16:creationId xmlns:a16="http://schemas.microsoft.com/office/drawing/2014/main" xmlns="" id="{05F17713-1E50-F9DA-1134-DEB4A4AEA114}"/>
+                <a16:creationId xmlns="" xmlns:a16="http://schemas.microsoft.com/office/drawing/2014/main" id="{05F17713-1E50-F9DA-1134-DEB4A4AEA114}"/>
               </a:ext>
             </a:extLst>
           </p:cNvPr>
@@ -6437,7 +6437,7 @@
           <p:cNvPr id="3" name="Content Placeholder 6">
             <a:extLst>
               <a:ext uri="{FF2B5EF4-FFF2-40B4-BE49-F238E27FC236}">
-                <a16:creationId xmlns:a16="http://schemas.microsoft.com/office/drawing/2014/main" xmlns="" id="{05A7D8CB-7B8B-DA38-6E7E-0DAEB7D29967}"/>
+                <a16:creationId xmlns="" xmlns:a16="http://schemas.microsoft.com/office/drawing/2014/main" id="{05A7D8CB-7B8B-DA38-6E7E-0DAEB7D29967}"/>
               </a:ext>
             </a:extLst>
           </p:cNvPr>
@@ -6539,7 +6539,7 @@
           <p:cNvPr id="10" name="Content Placeholder 6">
             <a:extLst>
               <a:ext uri="{FF2B5EF4-FFF2-40B4-BE49-F238E27FC236}">
-                <a16:creationId xmlns:a16="http://schemas.microsoft.com/office/drawing/2014/main" xmlns="" id="{CE441B96-235E-1744-83C7-22A1E6ED8BB3}"/>
+                <a16:creationId xmlns="" xmlns:a16="http://schemas.microsoft.com/office/drawing/2014/main" id="{CE441B96-235E-1744-83C7-22A1E6ED8BB3}"/>
               </a:ext>
             </a:extLst>
           </p:cNvPr>
@@ -6642,7 +6642,7 @@
           <p:cNvPr id="4" name="Slide Number Placeholder 5">
             <a:extLst>
               <a:ext uri="{FF2B5EF4-FFF2-40B4-BE49-F238E27FC236}">
-                <a16:creationId xmlns:a16="http://schemas.microsoft.com/office/drawing/2014/main" xmlns="" id="{CF605979-8A00-C008-E1AA-6AC1F9EABEAF}"/>
+                <a16:creationId xmlns="" xmlns:a16="http://schemas.microsoft.com/office/drawing/2014/main" id="{CF605979-8A00-C008-E1AA-6AC1F9EABEAF}"/>
               </a:ext>
             </a:extLst>
           </p:cNvPr>
@@ -6753,10 +6753,10 @@
           <p:cNvPr id="13" name="Freeform: Shape 12">
             <a:extLst>
               <a:ext uri="{FF2B5EF4-FFF2-40B4-BE49-F238E27FC236}">
-                <a16:creationId xmlns:a16="http://schemas.microsoft.com/office/drawing/2014/main" xmlns="" id="{B05A86D8-26B0-1ADB-0CE2-B445D2A2866D}"/>
+                <a16:creationId xmlns="" xmlns:a16="http://schemas.microsoft.com/office/drawing/2014/main" id="{B05A86D8-26B0-1ADB-0CE2-B445D2A2866D}"/>
               </a:ext>
               <a:ext uri="{C183D7F6-B498-43B3-948B-1728B52AA6E4}">
-                <adec:decorative xmlns:adec="http://schemas.microsoft.com/office/drawing/2017/decorative" xmlns="" val="1"/>
+                <adec:decorative xmlns="" xmlns:adec="http://schemas.microsoft.com/office/drawing/2017/decorative" val="1"/>
               </a:ext>
             </a:extLst>
           </p:cNvPr>
@@ -6886,10 +6886,10 @@
           <p:cNvPr id="19" name="Freeform: Shape 18">
             <a:extLst>
               <a:ext uri="{FF2B5EF4-FFF2-40B4-BE49-F238E27FC236}">
-                <a16:creationId xmlns:a16="http://schemas.microsoft.com/office/drawing/2014/main" xmlns="" id="{33A68E8B-64DF-46D3-2FA2-4BBBBF8BFB15}"/>
+                <a16:creationId xmlns="" xmlns:a16="http://schemas.microsoft.com/office/drawing/2014/main" id="{33A68E8B-64DF-46D3-2FA2-4BBBBF8BFB15}"/>
               </a:ext>
               <a:ext uri="{C183D7F6-B498-43B3-948B-1728B52AA6E4}">
-                <adec:decorative xmlns:adec="http://schemas.microsoft.com/office/drawing/2017/decorative" xmlns="" val="1"/>
+                <adec:decorative xmlns="" xmlns:adec="http://schemas.microsoft.com/office/drawing/2017/decorative" val="1"/>
               </a:ext>
             </a:extLst>
           </p:cNvPr>
@@ -7172,7 +7172,7 @@
           <p:cNvPr id="20" name="Title 1">
             <a:extLst>
               <a:ext uri="{FF2B5EF4-FFF2-40B4-BE49-F238E27FC236}">
-                <a16:creationId xmlns:a16="http://schemas.microsoft.com/office/drawing/2014/main" xmlns="" id="{20AE86F9-DD66-DE05-383C-6220D559B0DF}"/>
+                <a16:creationId xmlns="" xmlns:a16="http://schemas.microsoft.com/office/drawing/2014/main" id="{20AE86F9-DD66-DE05-383C-6220D559B0DF}"/>
               </a:ext>
             </a:extLst>
           </p:cNvPr>
@@ -7209,7 +7209,7 @@
           <p:cNvPr id="6" name="Content Placeholder 6">
             <a:extLst>
               <a:ext uri="{FF2B5EF4-FFF2-40B4-BE49-F238E27FC236}">
-                <a16:creationId xmlns:a16="http://schemas.microsoft.com/office/drawing/2014/main" xmlns="" id="{1B0F4867-5345-BF6B-3402-DEEC3D2DDF90}"/>
+                <a16:creationId xmlns="" xmlns:a16="http://schemas.microsoft.com/office/drawing/2014/main" id="{1B0F4867-5345-BF6B-3402-DEEC3D2DDF90}"/>
               </a:ext>
             </a:extLst>
           </p:cNvPr>
@@ -7312,7 +7312,7 @@
           <p:cNvPr id="2" name="Content Placeholder 6">
             <a:extLst>
               <a:ext uri="{FF2B5EF4-FFF2-40B4-BE49-F238E27FC236}">
-                <a16:creationId xmlns:a16="http://schemas.microsoft.com/office/drawing/2014/main" xmlns="" id="{B693A8C2-EDAB-3C2B-00D3-3B9F9D64ACDC}"/>
+                <a16:creationId xmlns="" xmlns:a16="http://schemas.microsoft.com/office/drawing/2014/main" id="{B693A8C2-EDAB-3C2B-00D3-3B9F9D64ACDC}"/>
               </a:ext>
             </a:extLst>
           </p:cNvPr>
@@ -7414,7 +7414,7 @@
           <p:cNvPr id="4" name="Slide Number Placeholder 5">
             <a:extLst>
               <a:ext uri="{FF2B5EF4-FFF2-40B4-BE49-F238E27FC236}">
-                <a16:creationId xmlns:a16="http://schemas.microsoft.com/office/drawing/2014/main" xmlns="" id="{4CE52DCD-6B80-A17A-B12C-76D628BAF304}"/>
+                <a16:creationId xmlns="" xmlns:a16="http://schemas.microsoft.com/office/drawing/2014/main" id="{4CE52DCD-6B80-A17A-B12C-76D628BAF304}"/>
               </a:ext>
             </a:extLst>
           </p:cNvPr>
@@ -7525,10 +7525,10 @@
           <p:cNvPr id="6" name="Freeform 5">
             <a:extLst>
               <a:ext uri="{FF2B5EF4-FFF2-40B4-BE49-F238E27FC236}">
-                <a16:creationId xmlns:a16="http://schemas.microsoft.com/office/drawing/2014/main" xmlns="" id="{CADEA8BB-3550-ABDA-99A6-455084D5D432}"/>
+                <a16:creationId xmlns="" xmlns:a16="http://schemas.microsoft.com/office/drawing/2014/main" id="{CADEA8BB-3550-ABDA-99A6-455084D5D432}"/>
               </a:ext>
               <a:ext uri="{C183D7F6-B498-43B3-948B-1728B52AA6E4}">
-                <adec:decorative xmlns:adec="http://schemas.microsoft.com/office/drawing/2017/decorative" xmlns="" val="1"/>
+                <adec:decorative xmlns="" xmlns:adec="http://schemas.microsoft.com/office/drawing/2017/decorative" val="1"/>
               </a:ext>
             </a:extLst>
           </p:cNvPr>
@@ -7718,10 +7718,10 @@
           <p:cNvPr id="18" name="Freeform: Shape 17">
             <a:extLst>
               <a:ext uri="{FF2B5EF4-FFF2-40B4-BE49-F238E27FC236}">
-                <a16:creationId xmlns:a16="http://schemas.microsoft.com/office/drawing/2014/main" xmlns="" id="{F0A8F0DB-3D3D-DC0F-84AC-4386B58AD6E5}"/>
+                <a16:creationId xmlns="" xmlns:a16="http://schemas.microsoft.com/office/drawing/2014/main" id="{F0A8F0DB-3D3D-DC0F-84AC-4386B58AD6E5}"/>
               </a:ext>
               <a:ext uri="{C183D7F6-B498-43B3-948B-1728B52AA6E4}">
-                <adec:decorative xmlns:adec="http://schemas.microsoft.com/office/drawing/2017/decorative" xmlns="" val="1"/>
+                <adec:decorative xmlns="" xmlns:adec="http://schemas.microsoft.com/office/drawing/2017/decorative" val="1"/>
               </a:ext>
             </a:extLst>
           </p:cNvPr>
@@ -7827,7 +7827,7 @@
           <p:cNvPr id="45" name="Title 1">
             <a:extLst>
               <a:ext uri="{FF2B5EF4-FFF2-40B4-BE49-F238E27FC236}">
-                <a16:creationId xmlns:a16="http://schemas.microsoft.com/office/drawing/2014/main" xmlns="" id="{FDA50B04-DEA5-DCCF-0DAD-0D3B122FD652}"/>
+                <a16:creationId xmlns="" xmlns:a16="http://schemas.microsoft.com/office/drawing/2014/main" id="{FDA50B04-DEA5-DCCF-0DAD-0D3B122FD652}"/>
               </a:ext>
             </a:extLst>
           </p:cNvPr>
@@ -7864,7 +7864,7 @@
           <p:cNvPr id="7" name="Table Placeholder 4">
             <a:extLst>
               <a:ext uri="{FF2B5EF4-FFF2-40B4-BE49-F238E27FC236}">
-                <a16:creationId xmlns:a16="http://schemas.microsoft.com/office/drawing/2014/main" xmlns="" id="{A8715227-A125-7CA3-B8F5-9D5894E8C981}"/>
+                <a16:creationId xmlns="" xmlns:a16="http://schemas.microsoft.com/office/drawing/2014/main" id="{A8715227-A125-7CA3-B8F5-9D5894E8C981}"/>
               </a:ext>
             </a:extLst>
           </p:cNvPr>
@@ -7897,7 +7897,7 @@
           <p:cNvPr id="3" name="Slide Number Placeholder 5">
             <a:extLst>
               <a:ext uri="{FF2B5EF4-FFF2-40B4-BE49-F238E27FC236}">
-                <a16:creationId xmlns:a16="http://schemas.microsoft.com/office/drawing/2014/main" xmlns="" id="{CEC2E35B-5EFD-B330-984C-15A012C90B8A}"/>
+                <a16:creationId xmlns="" xmlns:a16="http://schemas.microsoft.com/office/drawing/2014/main" id="{CEC2E35B-5EFD-B330-984C-15A012C90B8A}"/>
               </a:ext>
             </a:extLst>
           </p:cNvPr>
@@ -8008,10 +8008,10 @@
           <p:cNvPr id="8" name="Freeform 7">
             <a:extLst>
               <a:ext uri="{FF2B5EF4-FFF2-40B4-BE49-F238E27FC236}">
-                <a16:creationId xmlns:a16="http://schemas.microsoft.com/office/drawing/2014/main" xmlns="" id="{686C03E6-655F-A394-4461-7BC878C418BB}"/>
+                <a16:creationId xmlns="" xmlns:a16="http://schemas.microsoft.com/office/drawing/2014/main" id="{686C03E6-655F-A394-4461-7BC878C418BB}"/>
               </a:ext>
               <a:ext uri="{C183D7F6-B498-43B3-948B-1728B52AA6E4}">
-                <adec:decorative xmlns:adec="http://schemas.microsoft.com/office/drawing/2017/decorative" xmlns="" val="1"/>
+                <adec:decorative xmlns="" xmlns:adec="http://schemas.microsoft.com/office/drawing/2017/decorative" val="1"/>
               </a:ext>
             </a:extLst>
           </p:cNvPr>
@@ -8172,10 +8172,10 @@
           <p:cNvPr id="25" name="Freeform: Shape 24">
             <a:extLst>
               <a:ext uri="{FF2B5EF4-FFF2-40B4-BE49-F238E27FC236}">
-                <a16:creationId xmlns:a16="http://schemas.microsoft.com/office/drawing/2014/main" xmlns="" id="{BF7A62BA-11D3-585A-8CBD-5E0FB4DE522D}"/>
+                <a16:creationId xmlns="" xmlns:a16="http://schemas.microsoft.com/office/drawing/2014/main" id="{BF7A62BA-11D3-585A-8CBD-5E0FB4DE522D}"/>
               </a:ext>
               <a:ext uri="{C183D7F6-B498-43B3-948B-1728B52AA6E4}">
-                <adec:decorative xmlns:adec="http://schemas.microsoft.com/office/drawing/2017/decorative" xmlns="" val="1"/>
+                <adec:decorative xmlns="" xmlns:adec="http://schemas.microsoft.com/office/drawing/2017/decorative" val="1"/>
               </a:ext>
             </a:extLst>
           </p:cNvPr>
@@ -9386,10 +9386,10 @@
           <p:cNvPr id="13" name="Freeform: Shape 12">
             <a:extLst>
               <a:ext uri="{FF2B5EF4-FFF2-40B4-BE49-F238E27FC236}">
-                <a16:creationId xmlns:a16="http://schemas.microsoft.com/office/drawing/2014/main" xmlns="" id="{8E1AE81E-772F-B009-AF15-C0FC060518A7}"/>
+                <a16:creationId xmlns="" xmlns:a16="http://schemas.microsoft.com/office/drawing/2014/main" id="{8E1AE81E-772F-B009-AF15-C0FC060518A7}"/>
               </a:ext>
               <a:ext uri="{C183D7F6-B498-43B3-948B-1728B52AA6E4}">
-                <adec:decorative xmlns:adec="http://schemas.microsoft.com/office/drawing/2017/decorative" xmlns="" val="1"/>
+                <adec:decorative xmlns="" xmlns:adec="http://schemas.microsoft.com/office/drawing/2017/decorative" val="1"/>
               </a:ext>
             </a:extLst>
           </p:cNvPr>
@@ -9716,7 +9716,7 @@
           <p:cNvPr id="2" name="Title 1">
             <a:extLst>
               <a:ext uri="{FF2B5EF4-FFF2-40B4-BE49-F238E27FC236}">
-                <a16:creationId xmlns:a16="http://schemas.microsoft.com/office/drawing/2014/main" xmlns="" id="{C9EEA626-63D9-B376-D5C7-F7B224767D92}"/>
+                <a16:creationId xmlns="" xmlns:a16="http://schemas.microsoft.com/office/drawing/2014/main" id="{C9EEA626-63D9-B376-D5C7-F7B224767D92}"/>
               </a:ext>
             </a:extLst>
           </p:cNvPr>
@@ -9753,7 +9753,7 @@
           <p:cNvPr id="3" name="Content Placeholder 6">
             <a:extLst>
               <a:ext uri="{FF2B5EF4-FFF2-40B4-BE49-F238E27FC236}">
-                <a16:creationId xmlns:a16="http://schemas.microsoft.com/office/drawing/2014/main" xmlns="" id="{436A1765-4F66-C345-840A-D6C73BD96BB8}"/>
+                <a16:creationId xmlns="" xmlns:a16="http://schemas.microsoft.com/office/drawing/2014/main" id="{436A1765-4F66-C345-840A-D6C73BD96BB8}"/>
               </a:ext>
             </a:extLst>
           </p:cNvPr>
@@ -9894,10 +9894,10 @@
           <p:cNvPr id="3" name="Group 2">
             <a:extLst>
               <a:ext uri="{FF2B5EF4-FFF2-40B4-BE49-F238E27FC236}">
-                <a16:creationId xmlns:a16="http://schemas.microsoft.com/office/drawing/2014/main" xmlns="" id="{ADCC72F6-C144-5508-40C5-E1B3FC085B94}"/>
+                <a16:creationId xmlns="" xmlns:a16="http://schemas.microsoft.com/office/drawing/2014/main" id="{ADCC72F6-C144-5508-40C5-E1B3FC085B94}"/>
               </a:ext>
               <a:ext uri="{C183D7F6-B498-43B3-948B-1728B52AA6E4}">
-                <adec:decorative xmlns:adec="http://schemas.microsoft.com/office/drawing/2017/decorative" xmlns="" val="1"/>
+                <adec:decorative xmlns="" xmlns:adec="http://schemas.microsoft.com/office/drawing/2017/decorative" val="1"/>
               </a:ext>
             </a:extLst>
           </p:cNvPr>
@@ -9917,10 +9917,10 @@
             <p:cNvPr id="4" name="Freeform: Shape 3">
               <a:extLst>
                 <a:ext uri="{FF2B5EF4-FFF2-40B4-BE49-F238E27FC236}">
-                  <a16:creationId xmlns:a16="http://schemas.microsoft.com/office/drawing/2014/main" xmlns="" id="{FF76D2EA-2C6E-B0B2-DC0D-F9EF636E5856}"/>
+                  <a16:creationId xmlns="" xmlns:a16="http://schemas.microsoft.com/office/drawing/2014/main" id="{FF76D2EA-2C6E-B0B2-DC0D-F9EF636E5856}"/>
                 </a:ext>
                 <a:ext uri="{C183D7F6-B498-43B3-948B-1728B52AA6E4}">
-                  <adec:decorative xmlns:adec="http://schemas.microsoft.com/office/drawing/2017/decorative" xmlns="" val="1"/>
+                  <adec:decorative xmlns="" xmlns:adec="http://schemas.microsoft.com/office/drawing/2017/decorative" val="1"/>
                 </a:ext>
               </a:extLst>
             </p:cNvPr>
@@ -10141,10 +10141,10 @@
             <p:cNvPr id="5" name="Freeform: Shape 4">
               <a:extLst>
                 <a:ext uri="{FF2B5EF4-FFF2-40B4-BE49-F238E27FC236}">
-                  <a16:creationId xmlns:a16="http://schemas.microsoft.com/office/drawing/2014/main" xmlns="" id="{90315871-F40F-D512-8E3F-B40F36BD4224}"/>
+                  <a16:creationId xmlns="" xmlns:a16="http://schemas.microsoft.com/office/drawing/2014/main" id="{90315871-F40F-D512-8E3F-B40F36BD4224}"/>
                 </a:ext>
                 <a:ext uri="{C183D7F6-B498-43B3-948B-1728B52AA6E4}">
-                  <adec:decorative xmlns:adec="http://schemas.microsoft.com/office/drawing/2017/decorative" xmlns="" val="1"/>
+                  <adec:decorative xmlns="" xmlns:adec="http://schemas.microsoft.com/office/drawing/2017/decorative" val="1"/>
                 </a:ext>
               </a:extLst>
             </p:cNvPr>
@@ -10342,10 +10342,10 @@
           <p:cNvPr id="6" name="Freeform: Shape 5">
             <a:extLst>
               <a:ext uri="{FF2B5EF4-FFF2-40B4-BE49-F238E27FC236}">
-                <a16:creationId xmlns:a16="http://schemas.microsoft.com/office/drawing/2014/main" xmlns="" id="{10C11C1A-EFCF-278A-D083-93F07D4DEA67}"/>
+                <a16:creationId xmlns="" xmlns:a16="http://schemas.microsoft.com/office/drawing/2014/main" id="{10C11C1A-EFCF-278A-D083-93F07D4DEA67}"/>
               </a:ext>
               <a:ext uri="{C183D7F6-B498-43B3-948B-1728B52AA6E4}">
-                <adec:decorative xmlns:adec="http://schemas.microsoft.com/office/drawing/2017/decorative" xmlns="" val="1"/>
+                <adec:decorative xmlns="" xmlns:adec="http://schemas.microsoft.com/office/drawing/2017/decorative" val="1"/>
               </a:ext>
             </a:extLst>
           </p:cNvPr>
@@ -11540,7 +11540,7 @@
           <p:cNvPr id="7" name="Slide Number Placeholder 5">
             <a:extLst>
               <a:ext uri="{FF2B5EF4-FFF2-40B4-BE49-F238E27FC236}">
-                <a16:creationId xmlns:a16="http://schemas.microsoft.com/office/drawing/2014/main" xmlns="" id="{5B1E4400-E511-F21B-0AFD-0D362BA52FF0}"/>
+                <a16:creationId xmlns="" xmlns:a16="http://schemas.microsoft.com/office/drawing/2014/main" id="{5B1E4400-E511-F21B-0AFD-0D362BA52FF0}"/>
               </a:ext>
             </a:extLst>
           </p:cNvPr>
@@ -11625,10 +11625,10 @@
           <p:cNvPr id="5" name="Freeform 4">
             <a:extLst>
               <a:ext uri="{FF2B5EF4-FFF2-40B4-BE49-F238E27FC236}">
-                <a16:creationId xmlns:a16="http://schemas.microsoft.com/office/drawing/2014/main" xmlns="" id="{941984E2-3225-05D3-3A3D-9D5F5840ED60}"/>
+                <a16:creationId xmlns="" xmlns:a16="http://schemas.microsoft.com/office/drawing/2014/main" id="{941984E2-3225-05D3-3A3D-9D5F5840ED60}"/>
               </a:ext>
               <a:ext uri="{C183D7F6-B498-43B3-948B-1728B52AA6E4}">
-                <adec:decorative xmlns:adec="http://schemas.microsoft.com/office/drawing/2017/decorative" xmlns="" val="1"/>
+                <adec:decorative xmlns="" xmlns:adec="http://schemas.microsoft.com/office/drawing/2017/decorative" val="1"/>
               </a:ext>
             </a:extLst>
           </p:cNvPr>
@@ -11798,10 +11798,10 @@
           <p:cNvPr id="25" name="Freeform: Shape 24">
             <a:extLst>
               <a:ext uri="{FF2B5EF4-FFF2-40B4-BE49-F238E27FC236}">
-                <a16:creationId xmlns:a16="http://schemas.microsoft.com/office/drawing/2014/main" xmlns="" id="{070813B7-403A-9A3E-5E5C-44C1680DE4C3}"/>
+                <a16:creationId xmlns="" xmlns:a16="http://schemas.microsoft.com/office/drawing/2014/main" id="{070813B7-403A-9A3E-5E5C-44C1680DE4C3}"/>
               </a:ext>
               <a:ext uri="{C183D7F6-B498-43B3-948B-1728B52AA6E4}">
-                <adec:decorative xmlns:adec="http://schemas.microsoft.com/office/drawing/2017/decorative" xmlns="" val="1"/>
+                <adec:decorative xmlns="" xmlns:adec="http://schemas.microsoft.com/office/drawing/2017/decorative" val="1"/>
               </a:ext>
             </a:extLst>
           </p:cNvPr>
@@ -12952,10 +12952,10 @@
           <p:cNvPr id="12" name="Freeform: Shape 11">
             <a:extLst>
               <a:ext uri="{FF2B5EF4-FFF2-40B4-BE49-F238E27FC236}">
-                <a16:creationId xmlns:a16="http://schemas.microsoft.com/office/drawing/2014/main" xmlns="" id="{7A7BB3C1-4B05-D5B3-C61C-1CD390CEEF2B}"/>
+                <a16:creationId xmlns="" xmlns:a16="http://schemas.microsoft.com/office/drawing/2014/main" id="{7A7BB3C1-4B05-D5B3-C61C-1CD390CEEF2B}"/>
               </a:ext>
               <a:ext uri="{C183D7F6-B498-43B3-948B-1728B52AA6E4}">
-                <adec:decorative xmlns:adec="http://schemas.microsoft.com/office/drawing/2017/decorative" xmlns="" val="1"/>
+                <adec:decorative xmlns="" xmlns:adec="http://schemas.microsoft.com/office/drawing/2017/decorative" val="1"/>
               </a:ext>
             </a:extLst>
           </p:cNvPr>
@@ -13176,10 +13176,10 @@
           <p:cNvPr id="26" name="Freeform: Shape 25">
             <a:extLst>
               <a:ext uri="{FF2B5EF4-FFF2-40B4-BE49-F238E27FC236}">
-                <a16:creationId xmlns:a16="http://schemas.microsoft.com/office/drawing/2014/main" xmlns="" id="{CE6955A7-F39A-1FBB-FF32-C6F0E3289273}"/>
+                <a16:creationId xmlns="" xmlns:a16="http://schemas.microsoft.com/office/drawing/2014/main" id="{CE6955A7-F39A-1FBB-FF32-C6F0E3289273}"/>
               </a:ext>
               <a:ext uri="{C183D7F6-B498-43B3-948B-1728B52AA6E4}">
-                <adec:decorative xmlns:adec="http://schemas.microsoft.com/office/drawing/2017/decorative" xmlns="" val="1"/>
+                <adec:decorative xmlns="" xmlns:adec="http://schemas.microsoft.com/office/drawing/2017/decorative" val="1"/>
               </a:ext>
             </a:extLst>
           </p:cNvPr>
@@ -13376,7 +13376,7 @@
           <p:cNvPr id="2" name="Title 1">
             <a:extLst>
               <a:ext uri="{FF2B5EF4-FFF2-40B4-BE49-F238E27FC236}">
-                <a16:creationId xmlns:a16="http://schemas.microsoft.com/office/drawing/2014/main" xmlns="" id="{867817C7-4A09-9188-0BD5-838E3AD61F1A}"/>
+                <a16:creationId xmlns="" xmlns:a16="http://schemas.microsoft.com/office/drawing/2014/main" id="{867817C7-4A09-9188-0BD5-838E3AD61F1A}"/>
               </a:ext>
             </a:extLst>
           </p:cNvPr>
@@ -13417,7 +13417,7 @@
           <p:cNvPr id="3" name="Content Placeholder 2">
             <a:extLst>
               <a:ext uri="{FF2B5EF4-FFF2-40B4-BE49-F238E27FC236}">
-                <a16:creationId xmlns:a16="http://schemas.microsoft.com/office/drawing/2014/main" xmlns="" id="{B847C94B-98C2-CC0F-92FC-1505771390BE}"/>
+                <a16:creationId xmlns="" xmlns:a16="http://schemas.microsoft.com/office/drawing/2014/main" id="{B847C94B-98C2-CC0F-92FC-1505771390BE}"/>
               </a:ext>
             </a:extLst>
           </p:cNvPr>
@@ -13566,7 +13566,7 @@
           <p:cNvPr id="10" name="Title 1">
             <a:extLst>
               <a:ext uri="{FF2B5EF4-FFF2-40B4-BE49-F238E27FC236}">
-                <a16:creationId xmlns:a16="http://schemas.microsoft.com/office/drawing/2014/main" xmlns="" id="{06890132-DB42-A903-1EAB-CA29D3F04340}"/>
+                <a16:creationId xmlns="" xmlns:a16="http://schemas.microsoft.com/office/drawing/2014/main" id="{06890132-DB42-A903-1EAB-CA29D3F04340}"/>
               </a:ext>
             </a:extLst>
           </p:cNvPr>
@@ -13606,10 +13606,10 @@
           <p:cNvPr id="9" name="Picture 8">
             <a:extLst>
               <a:ext uri="{FF2B5EF4-FFF2-40B4-BE49-F238E27FC236}">
-                <a16:creationId xmlns:a16="http://schemas.microsoft.com/office/drawing/2014/main" xmlns="" id="{B5ED90D1-D640-D115-6711-35DE812FC014}"/>
+                <a16:creationId xmlns="" xmlns:a16="http://schemas.microsoft.com/office/drawing/2014/main" id="{B5ED90D1-D640-D115-6711-35DE812FC014}"/>
               </a:ext>
               <a:ext uri="{C183D7F6-B498-43B3-948B-1728B52AA6E4}">
-                <adec:decorative xmlns:adec="http://schemas.microsoft.com/office/drawing/2017/decorative" xmlns="" val="1"/>
+                <adec:decorative xmlns="" xmlns:adec="http://schemas.microsoft.com/office/drawing/2017/decorative" val="1"/>
               </a:ext>
             </a:extLst>
           </p:cNvPr>
@@ -13640,10 +13640,10 @@
           <p:cNvPr id="18" name="Freeform: Shape 17">
             <a:extLst>
               <a:ext uri="{FF2B5EF4-FFF2-40B4-BE49-F238E27FC236}">
-                <a16:creationId xmlns:a16="http://schemas.microsoft.com/office/drawing/2014/main" xmlns="" id="{F8D9EAE4-01F5-6C99-C91E-BF0FD0CD1CEF}"/>
+                <a16:creationId xmlns="" xmlns:a16="http://schemas.microsoft.com/office/drawing/2014/main" id="{F8D9EAE4-01F5-6C99-C91E-BF0FD0CD1CEF}"/>
               </a:ext>
               <a:ext uri="{C183D7F6-B498-43B3-948B-1728B52AA6E4}">
-                <adec:decorative xmlns:adec="http://schemas.microsoft.com/office/drawing/2017/decorative" xmlns="" val="1"/>
+                <adec:decorative xmlns="" xmlns:adec="http://schemas.microsoft.com/office/drawing/2017/decorative" val="1"/>
               </a:ext>
             </a:extLst>
           </p:cNvPr>
@@ -13851,7 +13851,7 @@
           <p:cNvPr id="21" name="Picture Placeholder 20">
             <a:extLst>
               <a:ext uri="{FF2B5EF4-FFF2-40B4-BE49-F238E27FC236}">
-                <a16:creationId xmlns:a16="http://schemas.microsoft.com/office/drawing/2014/main" xmlns="" id="{D2E95AC0-BA60-4FFD-E9E7-F2F12ACF68D0}"/>
+                <a16:creationId xmlns="" xmlns:a16="http://schemas.microsoft.com/office/drawing/2014/main" id="{D2E95AC0-BA60-4FFD-E9E7-F2F12ACF68D0}"/>
               </a:ext>
             </a:extLst>
           </p:cNvPr>
@@ -14083,10 +14083,10 @@
           <p:cNvPr id="3" name="Freeform 2">
             <a:extLst>
               <a:ext uri="{FF2B5EF4-FFF2-40B4-BE49-F238E27FC236}">
-                <a16:creationId xmlns:a16="http://schemas.microsoft.com/office/drawing/2014/main" xmlns="" id="{D24A04BE-9BA3-80DD-EE68-A8B8BA08532B}"/>
+                <a16:creationId xmlns="" xmlns:a16="http://schemas.microsoft.com/office/drawing/2014/main" id="{D24A04BE-9BA3-80DD-EE68-A8B8BA08532B}"/>
               </a:ext>
               <a:ext uri="{C183D7F6-B498-43B3-948B-1728B52AA6E4}">
-                <adec:decorative xmlns:adec="http://schemas.microsoft.com/office/drawing/2017/decorative" xmlns="" val="1"/>
+                <adec:decorative xmlns="" xmlns:adec="http://schemas.microsoft.com/office/drawing/2017/decorative" val="1"/>
               </a:ext>
             </a:extLst>
           </p:cNvPr>
@@ -14239,10 +14239,10 @@
           <p:cNvPr id="28" name="Freeform: Shape 27">
             <a:extLst>
               <a:ext uri="{FF2B5EF4-FFF2-40B4-BE49-F238E27FC236}">
-                <a16:creationId xmlns:a16="http://schemas.microsoft.com/office/drawing/2014/main" xmlns="" id="{9E4F6A04-3331-D4C7-3EAE-0F69B48A7C71}"/>
+                <a16:creationId xmlns="" xmlns:a16="http://schemas.microsoft.com/office/drawing/2014/main" id="{9E4F6A04-3331-D4C7-3EAE-0F69B48A7C71}"/>
               </a:ext>
               <a:ext uri="{C183D7F6-B498-43B3-948B-1728B52AA6E4}">
-                <adec:decorative xmlns:adec="http://schemas.microsoft.com/office/drawing/2017/decorative" xmlns="" val="1"/>
+                <adec:decorative xmlns="" xmlns:adec="http://schemas.microsoft.com/office/drawing/2017/decorative" val="1"/>
               </a:ext>
             </a:extLst>
           </p:cNvPr>
@@ -14423,10 +14423,10 @@
           <p:cNvPr id="30" name="Freeform: Shape 29">
             <a:extLst>
               <a:ext uri="{FF2B5EF4-FFF2-40B4-BE49-F238E27FC236}">
-                <a16:creationId xmlns:a16="http://schemas.microsoft.com/office/drawing/2014/main" xmlns="" id="{0587ACFB-02E0-79F1-D5B0-E8B18598D688}"/>
+                <a16:creationId xmlns="" xmlns:a16="http://schemas.microsoft.com/office/drawing/2014/main" id="{0587ACFB-02E0-79F1-D5B0-E8B18598D688}"/>
               </a:ext>
               <a:ext uri="{C183D7F6-B498-43B3-948B-1728B52AA6E4}">
-                <adec:decorative xmlns:adec="http://schemas.microsoft.com/office/drawing/2017/decorative" xmlns="" val="1"/>
+                <adec:decorative xmlns="" xmlns:adec="http://schemas.microsoft.com/office/drawing/2017/decorative" val="1"/>
               </a:ext>
             </a:extLst>
           </p:cNvPr>
@@ -14675,7 +14675,7 @@
           <p:cNvPr id="8" name="Title 1">
             <a:extLst>
               <a:ext uri="{FF2B5EF4-FFF2-40B4-BE49-F238E27FC236}">
-                <a16:creationId xmlns:a16="http://schemas.microsoft.com/office/drawing/2014/main" xmlns="" id="{852384F4-F6AD-F668-A66B-AEFD70995F3B}"/>
+                <a16:creationId xmlns="" xmlns:a16="http://schemas.microsoft.com/office/drawing/2014/main" id="{852384F4-F6AD-F668-A66B-AEFD70995F3B}"/>
               </a:ext>
             </a:extLst>
           </p:cNvPr>
@@ -14719,7 +14719,7 @@
           <p:cNvPr id="5" name="Picture Placeholder 4">
             <a:extLst>
               <a:ext uri="{FF2B5EF4-FFF2-40B4-BE49-F238E27FC236}">
-                <a16:creationId xmlns:a16="http://schemas.microsoft.com/office/drawing/2014/main" xmlns="" id="{1AA0A37B-4C20-7766-0623-4E06EA6A5C83}"/>
+                <a16:creationId xmlns="" xmlns:a16="http://schemas.microsoft.com/office/drawing/2014/main" id="{1AA0A37B-4C20-7766-0623-4E06EA6A5C83}"/>
               </a:ext>
             </a:extLst>
           </p:cNvPr>
@@ -14867,7 +14867,7 @@
           <p:cNvPr id="9" name="Content Placeholder 2">
             <a:extLst>
               <a:ext uri="{FF2B5EF4-FFF2-40B4-BE49-F238E27FC236}">
-                <a16:creationId xmlns:a16="http://schemas.microsoft.com/office/drawing/2014/main" xmlns="" id="{83E1E65B-8F03-21A6-6A59-95F0691D8856}"/>
+                <a16:creationId xmlns="" xmlns:a16="http://schemas.microsoft.com/office/drawing/2014/main" id="{83E1E65B-8F03-21A6-6A59-95F0691D8856}"/>
               </a:ext>
             </a:extLst>
           </p:cNvPr>
@@ -14973,10 +14973,10 @@
           <p:cNvPr id="8" name="Group 7">
             <a:extLst>
               <a:ext uri="{FF2B5EF4-FFF2-40B4-BE49-F238E27FC236}">
-                <a16:creationId xmlns:a16="http://schemas.microsoft.com/office/drawing/2014/main" xmlns="" id="{98639877-C4A6-4E44-C600-FE3C6CD5F187}"/>
+                <a16:creationId xmlns="" xmlns:a16="http://schemas.microsoft.com/office/drawing/2014/main" id="{98639877-C4A6-4E44-C600-FE3C6CD5F187}"/>
               </a:ext>
               <a:ext uri="{C183D7F6-B498-43B3-948B-1728B52AA6E4}">
-                <adec:decorative xmlns:adec="http://schemas.microsoft.com/office/drawing/2017/decorative" xmlns="" val="1"/>
+                <adec:decorative xmlns="" xmlns:adec="http://schemas.microsoft.com/office/drawing/2017/decorative" val="1"/>
               </a:ext>
             </a:extLst>
           </p:cNvPr>
@@ -14996,10 +14996,10 @@
             <p:cNvPr id="9" name="Freeform: Shape 8">
               <a:extLst>
                 <a:ext uri="{FF2B5EF4-FFF2-40B4-BE49-F238E27FC236}">
-                  <a16:creationId xmlns:a16="http://schemas.microsoft.com/office/drawing/2014/main" xmlns="" id="{F0439AA5-A7EE-A20E-BB67-D356776D0B21}"/>
+                  <a16:creationId xmlns="" xmlns:a16="http://schemas.microsoft.com/office/drawing/2014/main" id="{F0439AA5-A7EE-A20E-BB67-D356776D0B21}"/>
                 </a:ext>
                 <a:ext uri="{C183D7F6-B498-43B3-948B-1728B52AA6E4}">
-                  <adec:decorative xmlns:adec="http://schemas.microsoft.com/office/drawing/2017/decorative" xmlns="" val="1"/>
+                  <adec:decorative xmlns="" xmlns:adec="http://schemas.microsoft.com/office/drawing/2017/decorative" val="1"/>
                 </a:ext>
               </a:extLst>
             </p:cNvPr>
@@ -15220,10 +15220,10 @@
             <p:cNvPr id="10" name="Freeform: Shape 9">
               <a:extLst>
                 <a:ext uri="{FF2B5EF4-FFF2-40B4-BE49-F238E27FC236}">
-                  <a16:creationId xmlns:a16="http://schemas.microsoft.com/office/drawing/2014/main" xmlns="" id="{39E752F7-61F0-6779-9E8E-3541BFF7D2CF}"/>
+                  <a16:creationId xmlns="" xmlns:a16="http://schemas.microsoft.com/office/drawing/2014/main" id="{39E752F7-61F0-6779-9E8E-3541BFF7D2CF}"/>
                 </a:ext>
                 <a:ext uri="{C183D7F6-B498-43B3-948B-1728B52AA6E4}">
-                  <adec:decorative xmlns:adec="http://schemas.microsoft.com/office/drawing/2017/decorative" xmlns="" val="1"/>
+                  <adec:decorative xmlns="" xmlns:adec="http://schemas.microsoft.com/office/drawing/2017/decorative" val="1"/>
                 </a:ext>
               </a:extLst>
             </p:cNvPr>
@@ -15421,7 +15421,7 @@
           <p:cNvPr id="6" name="Title 1">
             <a:extLst>
               <a:ext uri="{FF2B5EF4-FFF2-40B4-BE49-F238E27FC236}">
-                <a16:creationId xmlns:a16="http://schemas.microsoft.com/office/drawing/2014/main" xmlns="" id="{FA7EBEDF-950A-F10B-DA20-24FB521457FC}"/>
+                <a16:creationId xmlns="" xmlns:a16="http://schemas.microsoft.com/office/drawing/2014/main" id="{FA7EBEDF-950A-F10B-DA20-24FB521457FC}"/>
               </a:ext>
             </a:extLst>
           </p:cNvPr>
@@ -15458,10 +15458,10 @@
           <p:cNvPr id="12" name="Freeform 11">
             <a:extLst>
               <a:ext uri="{FF2B5EF4-FFF2-40B4-BE49-F238E27FC236}">
-                <a16:creationId xmlns:a16="http://schemas.microsoft.com/office/drawing/2014/main" xmlns="" id="{6FD0E545-8D0D-B848-836A-23CEBCD6B0A5}"/>
+                <a16:creationId xmlns="" xmlns:a16="http://schemas.microsoft.com/office/drawing/2014/main" id="{6FD0E545-8D0D-B848-836A-23CEBCD6B0A5}"/>
               </a:ext>
               <a:ext uri="{C183D7F6-B498-43B3-948B-1728B52AA6E4}">
-                <adec:decorative xmlns:adec="http://schemas.microsoft.com/office/drawing/2017/decorative" xmlns="" val="1"/>
+                <adec:decorative xmlns="" xmlns:adec="http://schemas.microsoft.com/office/drawing/2017/decorative" val="1"/>
               </a:ext>
             </a:extLst>
           </p:cNvPr>
@@ -15563,10 +15563,10 @@
           <p:cNvPr id="15" name="Freeform 14">
             <a:extLst>
               <a:ext uri="{FF2B5EF4-FFF2-40B4-BE49-F238E27FC236}">
-                <a16:creationId xmlns:a16="http://schemas.microsoft.com/office/drawing/2014/main" xmlns="" id="{7114E853-6F7C-9899-77FD-0E77D0A86207}"/>
+                <a16:creationId xmlns="" xmlns:a16="http://schemas.microsoft.com/office/drawing/2014/main" id="{7114E853-6F7C-9899-77FD-0E77D0A86207}"/>
               </a:ext>
               <a:ext uri="{C183D7F6-B498-43B3-948B-1728B52AA6E4}">
-                <adec:decorative xmlns:adec="http://schemas.microsoft.com/office/drawing/2017/decorative" xmlns="" val="1"/>
+                <adec:decorative xmlns="" xmlns:adec="http://schemas.microsoft.com/office/drawing/2017/decorative" val="1"/>
               </a:ext>
             </a:extLst>
           </p:cNvPr>
@@ -16577,10 +16577,10 @@
           <p:cNvPr id="13" name="Freeform 12">
             <a:extLst>
               <a:ext uri="{FF2B5EF4-FFF2-40B4-BE49-F238E27FC236}">
-                <a16:creationId xmlns:a16="http://schemas.microsoft.com/office/drawing/2014/main" xmlns="" id="{69002426-033B-400A-C519-AF4C659C4F05}"/>
+                <a16:creationId xmlns="" xmlns:a16="http://schemas.microsoft.com/office/drawing/2014/main" id="{69002426-033B-400A-C519-AF4C659C4F05}"/>
               </a:ext>
               <a:ext uri="{C183D7F6-B498-43B3-948B-1728B52AA6E4}">
-                <adec:decorative xmlns:adec="http://schemas.microsoft.com/office/drawing/2017/decorative" xmlns="" val="1"/>
+                <adec:decorative xmlns="" xmlns:adec="http://schemas.microsoft.com/office/drawing/2017/decorative" val="1"/>
               </a:ext>
             </a:extLst>
           </p:cNvPr>
@@ -16702,7 +16702,7 @@
           <p:cNvPr id="7" name="Content Placeholder 6">
             <a:extLst>
               <a:ext uri="{FF2B5EF4-FFF2-40B4-BE49-F238E27FC236}">
-                <a16:creationId xmlns:a16="http://schemas.microsoft.com/office/drawing/2014/main" xmlns="" id="{13980755-170E-8438-DC1B-7B3283F2A49D}"/>
+                <a16:creationId xmlns="" xmlns:a16="http://schemas.microsoft.com/office/drawing/2014/main" id="{13980755-170E-8438-DC1B-7B3283F2A49D}"/>
               </a:ext>
             </a:extLst>
           </p:cNvPr>
@@ -16783,7 +16783,7 @@
           <p:cNvPr id="3" name="Slide Number Placeholder 5">
             <a:extLst>
               <a:ext uri="{FF2B5EF4-FFF2-40B4-BE49-F238E27FC236}">
-                <a16:creationId xmlns:a16="http://schemas.microsoft.com/office/drawing/2014/main" xmlns="" id="{933C021B-6AA4-3C5D-099F-96D113A1495C}"/>
+                <a16:creationId xmlns="" xmlns:a16="http://schemas.microsoft.com/office/drawing/2014/main" id="{933C021B-6AA4-3C5D-099F-96D113A1495C}"/>
               </a:ext>
             </a:extLst>
           </p:cNvPr>
@@ -16868,10 +16868,10 @@
           <p:cNvPr id="52" name="Freeform: Shape 51">
             <a:extLst>
               <a:ext uri="{FF2B5EF4-FFF2-40B4-BE49-F238E27FC236}">
-                <a16:creationId xmlns:a16="http://schemas.microsoft.com/office/drawing/2014/main" xmlns="" id="{90FA743D-BDB5-4069-7325-E91CA7BC3ED7}"/>
+                <a16:creationId xmlns="" xmlns:a16="http://schemas.microsoft.com/office/drawing/2014/main" id="{90FA743D-BDB5-4069-7325-E91CA7BC3ED7}"/>
               </a:ext>
               <a:ext uri="{C183D7F6-B498-43B3-948B-1728B52AA6E4}">
-                <adec:decorative xmlns:adec="http://schemas.microsoft.com/office/drawing/2017/decorative" xmlns="" val="1"/>
+                <adec:decorative xmlns="" xmlns:adec="http://schemas.microsoft.com/office/drawing/2017/decorative" val="1"/>
               </a:ext>
             </a:extLst>
           </p:cNvPr>
@@ -16992,10 +16992,10 @@
           <p:cNvPr id="4" name="Freeform 3">
             <a:extLst>
               <a:ext uri="{FF2B5EF4-FFF2-40B4-BE49-F238E27FC236}">
-                <a16:creationId xmlns:a16="http://schemas.microsoft.com/office/drawing/2014/main" xmlns="" id="{2FE03F25-D589-68A8-30C7-175547B6A9EE}"/>
+                <a16:creationId xmlns="" xmlns:a16="http://schemas.microsoft.com/office/drawing/2014/main" id="{2FE03F25-D589-68A8-30C7-175547B6A9EE}"/>
               </a:ext>
               <a:ext uri="{C183D7F6-B498-43B3-948B-1728B52AA6E4}">
-                <adec:decorative xmlns:adec="http://schemas.microsoft.com/office/drawing/2017/decorative" xmlns="" val="1"/>
+                <adec:decorative xmlns="" xmlns:adec="http://schemas.microsoft.com/office/drawing/2017/decorative" val="1"/>
               </a:ext>
             </a:extLst>
           </p:cNvPr>
@@ -19305,10 +19305,10 @@
           <p:cNvPr id="6" name="Graphic 5">
             <a:extLst>
               <a:ext uri="{FF2B5EF4-FFF2-40B4-BE49-F238E27FC236}">
-                <a16:creationId xmlns:a16="http://schemas.microsoft.com/office/drawing/2014/main" xmlns="" id="{7CB19B63-2AAF-E86D-D7F1-B659DB36B5AC}"/>
+                <a16:creationId xmlns="" xmlns:a16="http://schemas.microsoft.com/office/drawing/2014/main" id="{7CB19B63-2AAF-E86D-D7F1-B659DB36B5AC}"/>
               </a:ext>
               <a:ext uri="{C183D7F6-B498-43B3-948B-1728B52AA6E4}">
-                <adec:decorative xmlns:adec="http://schemas.microsoft.com/office/drawing/2017/decorative" xmlns="" val="1"/>
+                <adec:decorative xmlns="" xmlns:adec="http://schemas.microsoft.com/office/drawing/2017/decorative" val="1"/>
               </a:ext>
             </a:extLst>
           </p:cNvPr>
@@ -19322,7 +19322,7 @@
             <a:alphaModFix/>
             <a:extLst>
               <a:ext uri="{96DAC541-7B7A-43D3-8B79-37D633B846F1}">
-                <asvg:svgBlip xmlns:asvg="http://schemas.microsoft.com/office/drawing/2016/SVG/main" xmlns="" r:embed="rId3"/>
+                <asvg:svgBlip xmlns="" xmlns:asvg="http://schemas.microsoft.com/office/drawing/2016/SVG/main" r:embed="rId3"/>
               </a:ext>
             </a:extLst>
           </a:blip>
@@ -19389,10 +19389,10 @@
           <p:cNvPr id="22" name="Freeform: Shape 21">
             <a:extLst>
               <a:ext uri="{FF2B5EF4-FFF2-40B4-BE49-F238E27FC236}">
-                <a16:creationId xmlns:a16="http://schemas.microsoft.com/office/drawing/2014/main" xmlns="" id="{83712F38-4391-A499-56E2-8F095A506D08}"/>
+                <a16:creationId xmlns="" xmlns:a16="http://schemas.microsoft.com/office/drawing/2014/main" id="{83712F38-4391-A499-56E2-8F095A506D08}"/>
               </a:ext>
               <a:ext uri="{C183D7F6-B498-43B3-948B-1728B52AA6E4}">
-                <adec:decorative xmlns:adec="http://schemas.microsoft.com/office/drawing/2017/decorative" xmlns="" val="1"/>
+                <adec:decorative xmlns="" xmlns:adec="http://schemas.microsoft.com/office/drawing/2017/decorative" val="1"/>
               </a:ext>
             </a:extLst>
           </p:cNvPr>
@@ -20587,7 +20587,7 @@
           <p:cNvPr id="2" name="Title 1">
             <a:extLst>
               <a:ext uri="{FF2B5EF4-FFF2-40B4-BE49-F238E27FC236}">
-                <a16:creationId xmlns:a16="http://schemas.microsoft.com/office/drawing/2014/main" xmlns="" id="{867817C7-4A09-9188-0BD5-838E3AD61F1A}"/>
+                <a16:creationId xmlns="" xmlns:a16="http://schemas.microsoft.com/office/drawing/2014/main" id="{867817C7-4A09-9188-0BD5-838E3AD61F1A}"/>
               </a:ext>
             </a:extLst>
           </p:cNvPr>
@@ -20626,7 +20626,7 @@
           <p:cNvPr id="32" name="Text Placeholder 31">
             <a:extLst>
               <a:ext uri="{FF2B5EF4-FFF2-40B4-BE49-F238E27FC236}">
-                <a16:creationId xmlns:a16="http://schemas.microsoft.com/office/drawing/2014/main" xmlns="" id="{ACAB76B7-8AE6-9FE8-3022-219618D5810C}"/>
+                <a16:creationId xmlns="" xmlns:a16="http://schemas.microsoft.com/office/drawing/2014/main" id="{ACAB76B7-8AE6-9FE8-3022-219618D5810C}"/>
               </a:ext>
             </a:extLst>
           </p:cNvPr>
@@ -20737,7 +20737,7 @@
           <p:cNvPr id="3" name="Title 1">
             <a:extLst>
               <a:ext uri="{FF2B5EF4-FFF2-40B4-BE49-F238E27FC236}">
-                <a16:creationId xmlns:a16="http://schemas.microsoft.com/office/drawing/2014/main" xmlns="" id="{F179F09D-FCEF-2378-FD6D-390137D19D7F}"/>
+                <a16:creationId xmlns="" xmlns:a16="http://schemas.microsoft.com/office/drawing/2014/main" id="{F179F09D-FCEF-2378-FD6D-390137D19D7F}"/>
               </a:ext>
             </a:extLst>
           </p:cNvPr>
@@ -20774,7 +20774,7 @@
           <p:cNvPr id="2" name="Content Placeholder 6">
             <a:extLst>
               <a:ext uri="{FF2B5EF4-FFF2-40B4-BE49-F238E27FC236}">
-                <a16:creationId xmlns:a16="http://schemas.microsoft.com/office/drawing/2014/main" xmlns="" id="{43E2AC72-73DB-7038-4867-55751103F51A}"/>
+                <a16:creationId xmlns="" xmlns:a16="http://schemas.microsoft.com/office/drawing/2014/main" id="{43E2AC72-73DB-7038-4867-55751103F51A}"/>
               </a:ext>
             </a:extLst>
           </p:cNvPr>
@@ -20876,7 +20876,7 @@
           <p:cNvPr id="6" name="Content Placeholder 6">
             <a:extLst>
               <a:ext uri="{FF2B5EF4-FFF2-40B4-BE49-F238E27FC236}">
-                <a16:creationId xmlns:a16="http://schemas.microsoft.com/office/drawing/2014/main" xmlns="" id="{C4B21F26-677B-015C-5D71-238B3798DF57}"/>
+                <a16:creationId xmlns="" xmlns:a16="http://schemas.microsoft.com/office/drawing/2014/main" id="{C4B21F26-677B-015C-5D71-238B3798DF57}"/>
               </a:ext>
             </a:extLst>
           </p:cNvPr>
@@ -20978,10 +20978,10 @@
           <p:cNvPr id="7" name="Freeform 6">
             <a:extLst>
               <a:ext uri="{FF2B5EF4-FFF2-40B4-BE49-F238E27FC236}">
-                <a16:creationId xmlns:a16="http://schemas.microsoft.com/office/drawing/2014/main" xmlns="" id="{A3F1B258-8FBC-06A8-3A1F-466CEEDBBEF2}"/>
+                <a16:creationId xmlns="" xmlns:a16="http://schemas.microsoft.com/office/drawing/2014/main" id="{A3F1B258-8FBC-06A8-3A1F-466CEEDBBEF2}"/>
               </a:ext>
               <a:ext uri="{C183D7F6-B498-43B3-948B-1728B52AA6E4}">
-                <adec:decorative xmlns:adec="http://schemas.microsoft.com/office/drawing/2017/decorative" xmlns="" val="1"/>
+                <adec:decorative xmlns="" xmlns:adec="http://schemas.microsoft.com/office/drawing/2017/decorative" val="1"/>
               </a:ext>
             </a:extLst>
           </p:cNvPr>
@@ -21914,10 +21914,10 @@
           <p:cNvPr id="12" name="Freeform 11">
             <a:extLst>
               <a:ext uri="{FF2B5EF4-FFF2-40B4-BE49-F238E27FC236}">
-                <a16:creationId xmlns:a16="http://schemas.microsoft.com/office/drawing/2014/main" xmlns="" id="{8BAD4AF0-64CE-5C0E-5440-00F8FC6B3194}"/>
+                <a16:creationId xmlns="" xmlns:a16="http://schemas.microsoft.com/office/drawing/2014/main" id="{8BAD4AF0-64CE-5C0E-5440-00F8FC6B3194}"/>
               </a:ext>
               <a:ext uri="{C183D7F6-B498-43B3-948B-1728B52AA6E4}">
-                <adec:decorative xmlns:adec="http://schemas.microsoft.com/office/drawing/2017/decorative" xmlns="" val="1"/>
+                <adec:decorative xmlns="" xmlns:adec="http://schemas.microsoft.com/office/drawing/2017/decorative" val="1"/>
               </a:ext>
             </a:extLst>
           </p:cNvPr>
@@ -22068,7 +22068,7 @@
           <p:cNvPr id="5" name="Slide Number Placeholder 5">
             <a:extLst>
               <a:ext uri="{FF2B5EF4-FFF2-40B4-BE49-F238E27FC236}">
-                <a16:creationId xmlns:a16="http://schemas.microsoft.com/office/drawing/2014/main" xmlns="" id="{03D91060-B9BF-0FA6-BD7C-AF8E38E919DB}"/>
+                <a16:creationId xmlns="" xmlns:a16="http://schemas.microsoft.com/office/drawing/2014/main" id="{03D91060-B9BF-0FA6-BD7C-AF8E38E919DB}"/>
               </a:ext>
             </a:extLst>
           </p:cNvPr>
@@ -22179,10 +22179,10 @@
           <p:cNvPr id="2" name="Group 1">
             <a:extLst>
               <a:ext uri="{FF2B5EF4-FFF2-40B4-BE49-F238E27FC236}">
-                <a16:creationId xmlns:a16="http://schemas.microsoft.com/office/drawing/2014/main" xmlns="" id="{7DCD020E-88CF-303D-F947-8EE980AC8093}"/>
+                <a16:creationId xmlns="" xmlns:a16="http://schemas.microsoft.com/office/drawing/2014/main" id="{7DCD020E-88CF-303D-F947-8EE980AC8093}"/>
               </a:ext>
               <a:ext uri="{C183D7F6-B498-43B3-948B-1728B52AA6E4}">
-                <adec:decorative xmlns:adec="http://schemas.microsoft.com/office/drawing/2017/decorative" xmlns="" val="1"/>
+                <adec:decorative xmlns="" xmlns:adec="http://schemas.microsoft.com/office/drawing/2017/decorative" val="1"/>
               </a:ext>
             </a:extLst>
           </p:cNvPr>
@@ -22202,7 +22202,7 @@
             <p:cNvPr id="9" name="Freeform: Shape 8">
               <a:extLst>
                 <a:ext uri="{FF2B5EF4-FFF2-40B4-BE49-F238E27FC236}">
-                  <a16:creationId xmlns:a16="http://schemas.microsoft.com/office/drawing/2014/main" xmlns="" id="{30B88804-97CC-BE78-8D40-672973E4CD32}"/>
+                  <a16:creationId xmlns="" xmlns:a16="http://schemas.microsoft.com/office/drawing/2014/main" id="{30B88804-97CC-BE78-8D40-672973E4CD32}"/>
                 </a:ext>
               </a:extLst>
             </p:cNvPr>
@@ -23218,7 +23218,7 @@
             <p:cNvPr id="11" name="Freeform: Shape 10">
               <a:extLst>
                 <a:ext uri="{FF2B5EF4-FFF2-40B4-BE49-F238E27FC236}">
-                  <a16:creationId xmlns:a16="http://schemas.microsoft.com/office/drawing/2014/main" xmlns="" id="{77FB28C4-D7BE-9D2F-25D0-06D2480EA06A}"/>
+                  <a16:creationId xmlns="" xmlns:a16="http://schemas.microsoft.com/office/drawing/2014/main" id="{77FB28C4-D7BE-9D2F-25D0-06D2480EA06A}"/>
                 </a:ext>
               </a:extLst>
             </p:cNvPr>
@@ -24233,7 +24233,7 @@
           <p:cNvPr id="8" name="Title 1">
             <a:extLst>
               <a:ext uri="{FF2B5EF4-FFF2-40B4-BE49-F238E27FC236}">
-                <a16:creationId xmlns:a16="http://schemas.microsoft.com/office/drawing/2014/main" xmlns="" id="{694847DB-2FD4-A0B7-D27C-B0D097130852}"/>
+                <a16:creationId xmlns="" xmlns:a16="http://schemas.microsoft.com/office/drawing/2014/main" id="{694847DB-2FD4-A0B7-D27C-B0D097130852}"/>
               </a:ext>
             </a:extLst>
           </p:cNvPr>
@@ -24270,7 +24270,7 @@
           <p:cNvPr id="10" name="Content Placeholder 6">
             <a:extLst>
               <a:ext uri="{FF2B5EF4-FFF2-40B4-BE49-F238E27FC236}">
-                <a16:creationId xmlns:a16="http://schemas.microsoft.com/office/drawing/2014/main" xmlns="" id="{75BC41E0-D44A-D8E0-DC48-F6520F28F71A}"/>
+                <a16:creationId xmlns="" xmlns:a16="http://schemas.microsoft.com/office/drawing/2014/main" id="{75BC41E0-D44A-D8E0-DC48-F6520F28F71A}"/>
               </a:ext>
             </a:extLst>
           </p:cNvPr>
@@ -24365,7 +24365,7 @@
           <p:cNvPr id="6" name="Content Placeholder 6">
             <a:extLst>
               <a:ext uri="{FF2B5EF4-FFF2-40B4-BE49-F238E27FC236}">
-                <a16:creationId xmlns:a16="http://schemas.microsoft.com/office/drawing/2014/main" xmlns="" id="{25E9E434-8C66-15D8-D6B1-5DBED995F9B5}"/>
+                <a16:creationId xmlns="" xmlns:a16="http://schemas.microsoft.com/office/drawing/2014/main" id="{25E9E434-8C66-15D8-D6B1-5DBED995F9B5}"/>
               </a:ext>
             </a:extLst>
           </p:cNvPr>
@@ -24467,7 +24467,7 @@
           <p:cNvPr id="5" name="Slide Number Placeholder 5">
             <a:extLst>
               <a:ext uri="{FF2B5EF4-FFF2-40B4-BE49-F238E27FC236}">
-                <a16:creationId xmlns:a16="http://schemas.microsoft.com/office/drawing/2014/main" xmlns="" id="{0BFE17F0-931A-B121-FFD2-AF3DBB5D6CFB}"/>
+                <a16:creationId xmlns="" xmlns:a16="http://schemas.microsoft.com/office/drawing/2014/main" id="{0BFE17F0-931A-B121-FFD2-AF3DBB5D6CFB}"/>
               </a:ext>
             </a:extLst>
           </p:cNvPr>
@@ -24552,10 +24552,10 @@
           <p:cNvPr id="11" name="Freeform: Shape 10">
             <a:extLst>
               <a:ext uri="{FF2B5EF4-FFF2-40B4-BE49-F238E27FC236}">
-                <a16:creationId xmlns:a16="http://schemas.microsoft.com/office/drawing/2014/main" xmlns="" id="{EB31668E-263B-8FB1-9DBB-25F22BB441B3}"/>
+                <a16:creationId xmlns="" xmlns:a16="http://schemas.microsoft.com/office/drawing/2014/main" id="{EB31668E-263B-8FB1-9DBB-25F22BB441B3}"/>
               </a:ext>
               <a:ext uri="{C183D7F6-B498-43B3-948B-1728B52AA6E4}">
-                <adec:decorative xmlns:adec="http://schemas.microsoft.com/office/drawing/2017/decorative" xmlns="" val="1"/>
+                <adec:decorative xmlns="" xmlns:adec="http://schemas.microsoft.com/office/drawing/2017/decorative" val="1"/>
               </a:ext>
             </a:extLst>
           </p:cNvPr>
@@ -24667,10 +24667,10 @@
           <p:cNvPr id="30" name="Freeform: Shape 29">
             <a:extLst>
               <a:ext uri="{FF2B5EF4-FFF2-40B4-BE49-F238E27FC236}">
-                <a16:creationId xmlns:a16="http://schemas.microsoft.com/office/drawing/2014/main" xmlns="" id="{0972DA96-A413-EF87-50D3-D8EF54FD9F55}"/>
+                <a16:creationId xmlns="" xmlns:a16="http://schemas.microsoft.com/office/drawing/2014/main" id="{0972DA96-A413-EF87-50D3-D8EF54FD9F55}"/>
               </a:ext>
               <a:ext uri="{C183D7F6-B498-43B3-948B-1728B52AA6E4}">
-                <adec:decorative xmlns:adec="http://schemas.microsoft.com/office/drawing/2017/decorative" xmlns="" val="1"/>
+                <adec:decorative xmlns="" xmlns:adec="http://schemas.microsoft.com/office/drawing/2017/decorative" val="1"/>
               </a:ext>
             </a:extLst>
           </p:cNvPr>
@@ -25684,7 +25684,7 @@
           <p:cNvPr id="20" name="Title 1">
             <a:extLst>
               <a:ext uri="{FF2B5EF4-FFF2-40B4-BE49-F238E27FC236}">
-                <a16:creationId xmlns:a16="http://schemas.microsoft.com/office/drawing/2014/main" xmlns="" id="{20AE86F9-DD66-DE05-383C-6220D559B0DF}"/>
+                <a16:creationId xmlns="" xmlns:a16="http://schemas.microsoft.com/office/drawing/2014/main" id="{20AE86F9-DD66-DE05-383C-6220D559B0DF}"/>
               </a:ext>
             </a:extLst>
           </p:cNvPr>
@@ -25722,7 +25722,7 @@
           <p:cNvPr id="3" name="Content Placeholder 6">
             <a:extLst>
               <a:ext uri="{FF2B5EF4-FFF2-40B4-BE49-F238E27FC236}">
-                <a16:creationId xmlns:a16="http://schemas.microsoft.com/office/drawing/2014/main" xmlns="" id="{2A01A65B-D54F-AD53-7320-5D272BEC11D3}"/>
+                <a16:creationId xmlns="" xmlns:a16="http://schemas.microsoft.com/office/drawing/2014/main" id="{2A01A65B-D54F-AD53-7320-5D272BEC11D3}"/>
               </a:ext>
             </a:extLst>
           </p:cNvPr>
@@ -25824,7 +25824,7 @@
           <p:cNvPr id="5" name="Picture Placeholder 4">
             <a:extLst>
               <a:ext uri="{FF2B5EF4-FFF2-40B4-BE49-F238E27FC236}">
-                <a16:creationId xmlns:a16="http://schemas.microsoft.com/office/drawing/2014/main" xmlns="" id="{E724DBE4-044A-67D8-93C0-EB245AFBB297}"/>
+                <a16:creationId xmlns="" xmlns:a16="http://schemas.microsoft.com/office/drawing/2014/main" id="{E724DBE4-044A-67D8-93C0-EB245AFBB297}"/>
               </a:ext>
             </a:extLst>
           </p:cNvPr>
@@ -26769,7 +26769,7 @@
           <p:cNvPr id="6" name="Slide Number Placeholder 5">
             <a:extLst>
               <a:ext uri="{FF2B5EF4-FFF2-40B4-BE49-F238E27FC236}">
-                <a16:creationId xmlns:a16="http://schemas.microsoft.com/office/drawing/2014/main" xmlns="" id="{2FA893C5-3725-2BF8-B201-6C4123C13131}"/>
+                <a16:creationId xmlns="" xmlns:a16="http://schemas.microsoft.com/office/drawing/2014/main" id="{2FA893C5-3725-2BF8-B201-6C4123C13131}"/>
               </a:ext>
             </a:extLst>
           </p:cNvPr>
@@ -26880,7 +26880,7 @@
           <p:cNvPr id="2" name="Title Placeholder 1">
             <a:extLst>
               <a:ext uri="{FF2B5EF4-FFF2-40B4-BE49-F238E27FC236}">
-                <a16:creationId xmlns:a16="http://schemas.microsoft.com/office/drawing/2014/main" xmlns="" id="{FF3B57D9-86AF-A333-72B5-F387677E3366}"/>
+                <a16:creationId xmlns="" xmlns:a16="http://schemas.microsoft.com/office/drawing/2014/main" id="{FF3B57D9-86AF-A333-72B5-F387677E3366}"/>
               </a:ext>
             </a:extLst>
           </p:cNvPr>
@@ -26919,7 +26919,7 @@
           <p:cNvPr id="3" name="Text Placeholder 2">
             <a:extLst>
               <a:ext uri="{FF2B5EF4-FFF2-40B4-BE49-F238E27FC236}">
-                <a16:creationId xmlns:a16="http://schemas.microsoft.com/office/drawing/2014/main" xmlns="" id="{6716097B-2AAF-BB62-EE1B-3B3DA29D35E4}"/>
+                <a16:creationId xmlns="" xmlns:a16="http://schemas.microsoft.com/office/drawing/2014/main" id="{6716097B-2AAF-BB62-EE1B-3B3DA29D35E4}"/>
               </a:ext>
             </a:extLst>
           </p:cNvPr>
@@ -26986,7 +26986,7 @@
           <p:cNvPr id="4" name="Date Placeholder 3">
             <a:extLst>
               <a:ext uri="{FF2B5EF4-FFF2-40B4-BE49-F238E27FC236}">
-                <a16:creationId xmlns:a16="http://schemas.microsoft.com/office/drawing/2014/main" xmlns="" id="{40E44B38-E59B-D511-CC7B-CC87760C7CAA}"/>
+                <a16:creationId xmlns="" xmlns:a16="http://schemas.microsoft.com/office/drawing/2014/main" id="{40E44B38-E59B-D511-CC7B-CC87760C7CAA}"/>
               </a:ext>
             </a:extLst>
           </p:cNvPr>
@@ -27027,7 +27027,7 @@
           <p:cNvPr id="5" name="Footer Placeholder 4">
             <a:extLst>
               <a:ext uri="{FF2B5EF4-FFF2-40B4-BE49-F238E27FC236}">
-                <a16:creationId xmlns:a16="http://schemas.microsoft.com/office/drawing/2014/main" xmlns="" id="{64C4DA96-9345-993B-EDB3-7477F7A187E0}"/>
+                <a16:creationId xmlns="" xmlns:a16="http://schemas.microsoft.com/office/drawing/2014/main" id="{64C4DA96-9345-993B-EDB3-7477F7A187E0}"/>
               </a:ext>
             </a:extLst>
           </p:cNvPr>
@@ -27068,7 +27068,7 @@
           <p:cNvPr id="6" name="Slide Number Placeholder 5">
             <a:extLst>
               <a:ext uri="{FF2B5EF4-FFF2-40B4-BE49-F238E27FC236}">
-                <a16:creationId xmlns:a16="http://schemas.microsoft.com/office/drawing/2014/main" xmlns="" id="{362B7E2D-2283-8730-5E1E-7F19B1CD941D}"/>
+                <a16:creationId xmlns="" xmlns:a16="http://schemas.microsoft.com/office/drawing/2014/main" id="{362B7E2D-2283-8730-5E1E-7F19B1CD941D}"/>
               </a:ext>
             </a:extLst>
           </p:cNvPr>
@@ -27115,7 +27115,7 @@
           <p:cNvPr id="8" name="Straight Connector 7">
             <a:extLst>
               <a:ext uri="{FF2B5EF4-FFF2-40B4-BE49-F238E27FC236}">
-                <a16:creationId xmlns:a16="http://schemas.microsoft.com/office/drawing/2014/main" xmlns="" id="{AA994521-4157-D242-5242-0C3BD99E8EA8}"/>
+                <a16:creationId xmlns="" xmlns:a16="http://schemas.microsoft.com/office/drawing/2014/main" id="{AA994521-4157-D242-5242-0C3BD99E8EA8}"/>
               </a:ext>
             </a:extLst>
           </p:cNvPr>
@@ -27470,7 +27470,7 @@
         <p:cNvPr id="1" name="">
           <a:extLst>
             <a:ext uri="{FF2B5EF4-FFF2-40B4-BE49-F238E27FC236}">
-              <a16:creationId xmlns:a16="http://schemas.microsoft.com/office/drawing/2014/main" xmlns="" id="{E7092719-D5D9-FEC2-B9D6-942BD02028E8}"/>
+              <a16:creationId xmlns="" xmlns:a16="http://schemas.microsoft.com/office/drawing/2014/main" id="{E7092719-D5D9-FEC2-B9D6-942BD02028E8}"/>
             </a:ext>
           </a:extLst>
         </p:cNvPr>
@@ -27490,7 +27490,7 @@
           <p:cNvPr id="3" name="Title 2">
             <a:extLst>
               <a:ext uri="{FF2B5EF4-FFF2-40B4-BE49-F238E27FC236}">
-                <a16:creationId xmlns:a16="http://schemas.microsoft.com/office/drawing/2014/main" xmlns="" id="{B45A4A65-E8B8-40CF-7ABD-97EA8FA97521}"/>
+                <a16:creationId xmlns="" xmlns:a16="http://schemas.microsoft.com/office/drawing/2014/main" id="{B45A4A65-E8B8-40CF-7ABD-97EA8FA97521}"/>
               </a:ext>
             </a:extLst>
           </p:cNvPr>
@@ -27561,7 +27561,7 @@
           <p:cNvPr id="11" name="Title 2">
             <a:extLst>
               <a:ext uri="{FF2B5EF4-FFF2-40B4-BE49-F238E27FC236}">
-                <a16:creationId xmlns:a16="http://schemas.microsoft.com/office/drawing/2014/main" xmlns="" id="{2A3D95EF-8A67-7F71-37EF-9EB02511B163}"/>
+                <a16:creationId xmlns="" xmlns:a16="http://schemas.microsoft.com/office/drawing/2014/main" id="{2A3D95EF-8A67-7F71-37EF-9EB02511B163}"/>
               </a:ext>
             </a:extLst>
           </p:cNvPr>
@@ -27624,7 +27624,7 @@
           <p:cNvPr id="4" name="Slide Number Placeholder 3">
             <a:extLst>
               <a:ext uri="{FF2B5EF4-FFF2-40B4-BE49-F238E27FC236}">
-                <a16:creationId xmlns:a16="http://schemas.microsoft.com/office/drawing/2014/main" xmlns="" id="{889B3410-9A8E-04A9-AA2A-24B4AA063D6E}"/>
+                <a16:creationId xmlns="" xmlns:a16="http://schemas.microsoft.com/office/drawing/2014/main" id="{889B3410-9A8E-04A9-AA2A-24B4AA063D6E}"/>
               </a:ext>
             </a:extLst>
           </p:cNvPr>
@@ -27654,7 +27654,7 @@
           <p:cNvPr id="5" name="Title 1">
             <a:extLst>
               <a:ext uri="{FF2B5EF4-FFF2-40B4-BE49-F238E27FC236}">
-                <a16:creationId xmlns:a16="http://schemas.microsoft.com/office/drawing/2014/main" xmlns="" id="{D5F7FB6F-5648-8FA8-D316-A474CA19DA48}"/>
+                <a16:creationId xmlns="" xmlns:a16="http://schemas.microsoft.com/office/drawing/2014/main" id="{D5F7FB6F-5648-8FA8-D316-A474CA19DA48}"/>
               </a:ext>
             </a:extLst>
           </p:cNvPr>
@@ -27795,7 +27795,7 @@
           <p:cNvPr id="17" name="Group 16">
             <a:extLst>
               <a:ext uri="{FF2B5EF4-FFF2-40B4-BE49-F238E27FC236}">
-                <a16:creationId xmlns:a16="http://schemas.microsoft.com/office/drawing/2014/main" xmlns="" id="{8A3DA319-0A97-F309-AA3E-7FDAE773ABDF}"/>
+                <a16:creationId xmlns="" xmlns:a16="http://schemas.microsoft.com/office/drawing/2014/main" id="{8A3DA319-0A97-F309-AA3E-7FDAE773ABDF}"/>
               </a:ext>
             </a:extLst>
           </p:cNvPr>
@@ -27815,7 +27815,7 @@
             <p:cNvPr id="9" name="Rectangle: Folded Corner 8">
               <a:extLst>
                 <a:ext uri="{FF2B5EF4-FFF2-40B4-BE49-F238E27FC236}">
-                  <a16:creationId xmlns:a16="http://schemas.microsoft.com/office/drawing/2014/main" xmlns="" id="{6FB1F869-8DA3-C5CD-5307-64D58A6AA36B}"/>
+                  <a16:creationId xmlns="" xmlns:a16="http://schemas.microsoft.com/office/drawing/2014/main" id="{6FB1F869-8DA3-C5CD-5307-64D58A6AA36B}"/>
                 </a:ext>
               </a:extLst>
             </p:cNvPr>
@@ -27881,7 +27881,7 @@
             <p:cNvPr id="11" name="Rectangle: Folded Corner 10">
               <a:extLst>
                 <a:ext uri="{FF2B5EF4-FFF2-40B4-BE49-F238E27FC236}">
-                  <a16:creationId xmlns:a16="http://schemas.microsoft.com/office/drawing/2014/main" xmlns="" id="{01257D11-DFCF-BFFD-5CE0-0A84884F0922}"/>
+                  <a16:creationId xmlns="" xmlns:a16="http://schemas.microsoft.com/office/drawing/2014/main" id="{01257D11-DFCF-BFFD-5CE0-0A84884F0922}"/>
                 </a:ext>
               </a:extLst>
             </p:cNvPr>
@@ -27948,7 +27948,7 @@
             <p:cNvPr id="12" name="Rectangle: Folded Corner 11">
               <a:extLst>
                 <a:ext uri="{FF2B5EF4-FFF2-40B4-BE49-F238E27FC236}">
-                  <a16:creationId xmlns:a16="http://schemas.microsoft.com/office/drawing/2014/main" xmlns="" id="{BC8DC963-75A3-2C2D-677B-5699C45A4436}"/>
+                  <a16:creationId xmlns="" xmlns:a16="http://schemas.microsoft.com/office/drawing/2014/main" id="{BC8DC963-75A3-2C2D-677B-5699C45A4436}"/>
                 </a:ext>
               </a:extLst>
             </p:cNvPr>
@@ -28073,7 +28073,7 @@
             <p:cNvPr id="13" name="Rectangle: Folded Corner 12">
               <a:extLst>
                 <a:ext uri="{FF2B5EF4-FFF2-40B4-BE49-F238E27FC236}">
-                  <a16:creationId xmlns:a16="http://schemas.microsoft.com/office/drawing/2014/main" xmlns="" id="{7AD4C2E8-046C-2FC5-D71D-98238A13FB33}"/>
+                  <a16:creationId xmlns="" xmlns:a16="http://schemas.microsoft.com/office/drawing/2014/main" id="{7AD4C2E8-046C-2FC5-D71D-98238A13FB33}"/>
                 </a:ext>
               </a:extLst>
             </p:cNvPr>
@@ -28140,7 +28140,7 @@
             <p:cNvPr id="14" name="Arrow: Right 13">
               <a:extLst>
                 <a:ext uri="{FF2B5EF4-FFF2-40B4-BE49-F238E27FC236}">
-                  <a16:creationId xmlns:a16="http://schemas.microsoft.com/office/drawing/2014/main" xmlns="" id="{17871445-4AE7-E87D-CE10-AF51A46E635B}"/>
+                  <a16:creationId xmlns="" xmlns:a16="http://schemas.microsoft.com/office/drawing/2014/main" id="{17871445-4AE7-E87D-CE10-AF51A46E635B}"/>
                 </a:ext>
               </a:extLst>
             </p:cNvPr>
@@ -28186,7 +28186,7 @@
             <p:cNvPr id="15" name="Arrow: Right 14">
               <a:extLst>
                 <a:ext uri="{FF2B5EF4-FFF2-40B4-BE49-F238E27FC236}">
-                  <a16:creationId xmlns:a16="http://schemas.microsoft.com/office/drawing/2014/main" xmlns="" id="{FBB37558-3BD2-D03A-D3A6-623DC6D8FC86}"/>
+                  <a16:creationId xmlns="" xmlns:a16="http://schemas.microsoft.com/office/drawing/2014/main" id="{FBB37558-3BD2-D03A-D3A6-623DC6D8FC86}"/>
                 </a:ext>
               </a:extLst>
             </p:cNvPr>
@@ -28232,7 +28232,7 @@
             <p:cNvPr id="16" name="Arrow: Right 15">
               <a:extLst>
                 <a:ext uri="{FF2B5EF4-FFF2-40B4-BE49-F238E27FC236}">
-                  <a16:creationId xmlns:a16="http://schemas.microsoft.com/office/drawing/2014/main" xmlns="" id="{EC73F911-9A09-F548-0DBC-9CE1119E4E2A}"/>
+                  <a16:creationId xmlns="" xmlns:a16="http://schemas.microsoft.com/office/drawing/2014/main" id="{EC73F911-9A09-F548-0DBC-9CE1119E4E2A}"/>
                 </a:ext>
               </a:extLst>
             </p:cNvPr>
@@ -28317,7 +28317,7 @@
           <p:cNvPr id="11" name="Title 10">
             <a:extLst>
               <a:ext uri="{FF2B5EF4-FFF2-40B4-BE49-F238E27FC236}">
-                <a16:creationId xmlns:a16="http://schemas.microsoft.com/office/drawing/2014/main" xmlns="" id="{949404F1-8E94-7D3D-71E2-A1A4B7CBCB4A}"/>
+                <a16:creationId xmlns="" xmlns:a16="http://schemas.microsoft.com/office/drawing/2014/main" id="{949404F1-8E94-7D3D-71E2-A1A4B7CBCB4A}"/>
               </a:ext>
             </a:extLst>
           </p:cNvPr>
@@ -28351,7 +28351,7 @@
           <p:cNvPr id="2" name="Slide Number Placeholder 1">
             <a:extLst>
               <a:ext uri="{FF2B5EF4-FFF2-40B4-BE49-F238E27FC236}">
-                <a16:creationId xmlns:a16="http://schemas.microsoft.com/office/drawing/2014/main" xmlns="" id="{F35BAC3D-60A1-816B-5C79-2E8B6D9806E9}"/>
+                <a16:creationId xmlns="" xmlns:a16="http://schemas.microsoft.com/office/drawing/2014/main" id="{F35BAC3D-60A1-816B-5C79-2E8B6D9806E9}"/>
               </a:ext>
             </a:extLst>
           </p:cNvPr>
@@ -28386,7 +28386,7 @@
           <p:cNvPr id="4" name="Content Placeholder 3">
             <a:extLst>
               <a:ext uri="{FF2B5EF4-FFF2-40B4-BE49-F238E27FC236}">
-                <a16:creationId xmlns:a16="http://schemas.microsoft.com/office/drawing/2014/main" xmlns="" id="{A954AEE6-DCB0-3D75-35AB-1FBCCD1599A3}"/>
+                <a16:creationId xmlns="" xmlns:a16="http://schemas.microsoft.com/office/drawing/2014/main" id="{A954AEE6-DCB0-3D75-35AB-1FBCCD1599A3}"/>
               </a:ext>
             </a:extLst>
           </p:cNvPr>
@@ -28424,7 +28424,7 @@
           <p:cNvPr id="12" name="Picture 11" descr="A circle with three different colored parts">
             <a:extLst>
               <a:ext uri="{FF2B5EF4-FFF2-40B4-BE49-F238E27FC236}">
-                <a16:creationId xmlns:a16="http://schemas.microsoft.com/office/drawing/2014/main" xmlns="" id="{AFC60DA6-EAFC-C085-C80B-9884993DB0CD}"/>
+                <a16:creationId xmlns="" xmlns:a16="http://schemas.microsoft.com/office/drawing/2014/main" id="{AFC60DA6-EAFC-C085-C80B-9884993DB0CD}"/>
               </a:ext>
             </a:extLst>
           </p:cNvPr>
@@ -28454,7 +28454,7 @@
           <p:cNvPr id="7" name="TextBox 6">
             <a:extLst>
               <a:ext uri="{FF2B5EF4-FFF2-40B4-BE49-F238E27FC236}">
-                <a16:creationId xmlns:a16="http://schemas.microsoft.com/office/drawing/2014/main" xmlns="" id="{35E5D27A-333F-40C1-8F95-BC776591439A}"/>
+                <a16:creationId xmlns="" xmlns:a16="http://schemas.microsoft.com/office/drawing/2014/main" id="{35E5D27A-333F-40C1-8F95-BC776591439A}"/>
               </a:ext>
             </a:extLst>
           </p:cNvPr>
@@ -28498,7 +28498,7 @@
           <p:cNvPr id="9" name="TextBox 8">
             <a:extLst>
               <a:ext uri="{FF2B5EF4-FFF2-40B4-BE49-F238E27FC236}">
-                <a16:creationId xmlns:a16="http://schemas.microsoft.com/office/drawing/2014/main" xmlns="" id="{FAD6F66F-F413-2BE0-DA77-DEB439963354}"/>
+                <a16:creationId xmlns="" xmlns:a16="http://schemas.microsoft.com/office/drawing/2014/main" id="{FAD6F66F-F413-2BE0-DA77-DEB439963354}"/>
               </a:ext>
             </a:extLst>
           </p:cNvPr>
@@ -28542,7 +28542,7 @@
           <p:cNvPr id="8" name="TextBox 7">
             <a:extLst>
               <a:ext uri="{FF2B5EF4-FFF2-40B4-BE49-F238E27FC236}">
-                <a16:creationId xmlns:a16="http://schemas.microsoft.com/office/drawing/2014/main" xmlns="" id="{1A70676B-3CBD-0AEB-5A6D-38B9A0BA2358}"/>
+                <a16:creationId xmlns="" xmlns:a16="http://schemas.microsoft.com/office/drawing/2014/main" id="{1A70676B-3CBD-0AEB-5A6D-38B9A0BA2358}"/>
               </a:ext>
             </a:extLst>
           </p:cNvPr>
@@ -28586,7 +28586,7 @@
           <p:cNvPr id="17" name="TextBox 16">
             <a:extLst>
               <a:ext uri="{FF2B5EF4-FFF2-40B4-BE49-F238E27FC236}">
-                <a16:creationId xmlns:a16="http://schemas.microsoft.com/office/drawing/2014/main" xmlns="" id="{DE77B0DA-FC7F-1259-25EB-7CA452CB5B05}"/>
+                <a16:creationId xmlns="" xmlns:a16="http://schemas.microsoft.com/office/drawing/2014/main" id="{DE77B0DA-FC7F-1259-25EB-7CA452CB5B05}"/>
               </a:ext>
             </a:extLst>
           </p:cNvPr>
@@ -28635,7 +28635,7 @@
           <p:cNvPr id="18" name="TextBox 17">
             <a:extLst>
               <a:ext uri="{FF2B5EF4-FFF2-40B4-BE49-F238E27FC236}">
-                <a16:creationId xmlns:a16="http://schemas.microsoft.com/office/drawing/2014/main" xmlns="" id="{A979628C-1628-690E-E833-9BB6C2A1F017}"/>
+                <a16:creationId xmlns="" xmlns:a16="http://schemas.microsoft.com/office/drawing/2014/main" id="{A979628C-1628-690E-E833-9BB6C2A1F017}"/>
               </a:ext>
             </a:extLst>
           </p:cNvPr>
@@ -28684,7 +28684,7 @@
           <p:cNvPr id="19" name="TextBox 18">
             <a:extLst>
               <a:ext uri="{FF2B5EF4-FFF2-40B4-BE49-F238E27FC236}">
-                <a16:creationId xmlns:a16="http://schemas.microsoft.com/office/drawing/2014/main" xmlns="" id="{21F557A8-E3F1-6A0A-4EDC-10A9BF9007BC}"/>
+                <a16:creationId xmlns="" xmlns:a16="http://schemas.microsoft.com/office/drawing/2014/main" id="{21F557A8-E3F1-6A0A-4EDC-10A9BF9007BC}"/>
               </a:ext>
             </a:extLst>
           </p:cNvPr>
@@ -28729,7 +28729,7 @@
           <p:cNvPr id="10" name="Content Placeholder 9">
             <a:extLst>
               <a:ext uri="{FF2B5EF4-FFF2-40B4-BE49-F238E27FC236}">
-                <a16:creationId xmlns:a16="http://schemas.microsoft.com/office/drawing/2014/main" xmlns="" id="{14697216-1D2A-EE8B-AEBA-778EBD78BFC2}"/>
+                <a16:creationId xmlns="" xmlns:a16="http://schemas.microsoft.com/office/drawing/2014/main" id="{14697216-1D2A-EE8B-AEBA-778EBD78BFC2}"/>
               </a:ext>
             </a:extLst>
           </p:cNvPr>
@@ -29132,7 +29132,7 @@
           <p:cNvPr id="5" name="Title 4">
             <a:extLst>
               <a:ext uri="{FF2B5EF4-FFF2-40B4-BE49-F238E27FC236}">
-                <a16:creationId xmlns:a16="http://schemas.microsoft.com/office/drawing/2014/main" xmlns="" id="{E95044F7-BD97-2FDE-4E33-A565BCF0EFEC}"/>
+                <a16:creationId xmlns="" xmlns:a16="http://schemas.microsoft.com/office/drawing/2014/main" id="{E95044F7-BD97-2FDE-4E33-A565BCF0EFEC}"/>
               </a:ext>
             </a:extLst>
           </p:cNvPr>
@@ -29166,7 +29166,7 @@
           <p:cNvPr id="3" name="Content Placeholder 2">
             <a:extLst>
               <a:ext uri="{FF2B5EF4-FFF2-40B4-BE49-F238E27FC236}">
-                <a16:creationId xmlns:a16="http://schemas.microsoft.com/office/drawing/2014/main" xmlns="" id="{DE597F60-88E2-C430-D52B-6604405AD55C}"/>
+                <a16:creationId xmlns="" xmlns:a16="http://schemas.microsoft.com/office/drawing/2014/main" id="{DE597F60-88E2-C430-D52B-6604405AD55C}"/>
               </a:ext>
             </a:extLst>
           </p:cNvPr>
@@ -29240,7 +29240,7 @@
           <p:cNvPr id="27" name="Group 26">
             <a:extLst>
               <a:ext uri="{FF2B5EF4-FFF2-40B4-BE49-F238E27FC236}">
-                <a16:creationId xmlns:a16="http://schemas.microsoft.com/office/drawing/2014/main" xmlns="" id="{26AEAAA3-70D9-6269-239F-7DC890E30F22}"/>
+                <a16:creationId xmlns="" xmlns:a16="http://schemas.microsoft.com/office/drawing/2014/main" id="{26AEAAA3-70D9-6269-239F-7DC890E30F22}"/>
               </a:ext>
             </a:extLst>
           </p:cNvPr>
@@ -29260,7 +29260,7 @@
             <p:cNvPr id="2" name="Rectangle: Folded Corner 1">
               <a:extLst>
                 <a:ext uri="{FF2B5EF4-FFF2-40B4-BE49-F238E27FC236}">
-                  <a16:creationId xmlns:a16="http://schemas.microsoft.com/office/drawing/2014/main" xmlns="" id="{448D1696-6E2D-8A4A-CC49-C41F55AF52BE}"/>
+                  <a16:creationId xmlns="" xmlns:a16="http://schemas.microsoft.com/office/drawing/2014/main" id="{448D1696-6E2D-8A4A-CC49-C41F55AF52BE}"/>
                 </a:ext>
               </a:extLst>
             </p:cNvPr>
@@ -29377,7 +29377,7 @@
             <p:cNvPr id="4" name="Rectangle: Folded Corner 3">
               <a:extLst>
                 <a:ext uri="{FF2B5EF4-FFF2-40B4-BE49-F238E27FC236}">
-                  <a16:creationId xmlns:a16="http://schemas.microsoft.com/office/drawing/2014/main" xmlns="" id="{224060FA-15AD-1EAC-EF21-5F0A25C84717}"/>
+                  <a16:creationId xmlns="" xmlns:a16="http://schemas.microsoft.com/office/drawing/2014/main" id="{224060FA-15AD-1EAC-EF21-5F0A25C84717}"/>
                 </a:ext>
               </a:extLst>
             </p:cNvPr>
@@ -29452,7 +29452,7 @@
             <p:cNvPr id="6" name="Arrow: Right 5">
               <a:extLst>
                 <a:ext uri="{FF2B5EF4-FFF2-40B4-BE49-F238E27FC236}">
-                  <a16:creationId xmlns:a16="http://schemas.microsoft.com/office/drawing/2014/main" xmlns="" id="{154C4B72-7900-35BD-F34D-98F64A9AF790}"/>
+                  <a16:creationId xmlns="" xmlns:a16="http://schemas.microsoft.com/office/drawing/2014/main" id="{154C4B72-7900-35BD-F34D-98F64A9AF790}"/>
                 </a:ext>
               </a:extLst>
             </p:cNvPr>
@@ -29499,7 +29499,7 @@
           <p:cNvPr id="26" name="Picture Placeholder 25">
             <a:extLst>
               <a:ext uri="{FF2B5EF4-FFF2-40B4-BE49-F238E27FC236}">
-                <a16:creationId xmlns:a16="http://schemas.microsoft.com/office/drawing/2014/main" xmlns="" id="{7EB4F59A-344F-7530-2434-95F149293D0C}"/>
+                <a16:creationId xmlns="" xmlns:a16="http://schemas.microsoft.com/office/drawing/2014/main" id="{7EB4F59A-344F-7530-2434-95F149293D0C}"/>
               </a:ext>
             </a:extLst>
           </p:cNvPr>
@@ -29535,7 +29535,7 @@
           <p:cNvPr id="31" name="Straight Arrow Connector 30">
             <a:extLst>
               <a:ext uri="{FF2B5EF4-FFF2-40B4-BE49-F238E27FC236}">
-                <a16:creationId xmlns:a16="http://schemas.microsoft.com/office/drawing/2014/main" xmlns="" id="{CE811079-B5C7-1142-2C05-27DE3ED79A84}"/>
+                <a16:creationId xmlns="" xmlns:a16="http://schemas.microsoft.com/office/drawing/2014/main" id="{CE811079-B5C7-1142-2C05-27DE3ED79A84}"/>
               </a:ext>
             </a:extLst>
           </p:cNvPr>
@@ -29609,7 +29609,7 @@
           <p:cNvPr id="11" name="Title 10">
             <a:extLst>
               <a:ext uri="{FF2B5EF4-FFF2-40B4-BE49-F238E27FC236}">
-                <a16:creationId xmlns:a16="http://schemas.microsoft.com/office/drawing/2014/main" xmlns="" id="{7A49C0DA-C8AE-5ECC-149A-D60ECFF8C1EB}"/>
+                <a16:creationId xmlns="" xmlns:a16="http://schemas.microsoft.com/office/drawing/2014/main" id="{7A49C0DA-C8AE-5ECC-149A-D60ECFF8C1EB}"/>
               </a:ext>
             </a:extLst>
           </p:cNvPr>
@@ -29638,7 +29638,7 @@
           <p:cNvPr id="5" name="Slide Number Placeholder 4">
             <a:extLst>
               <a:ext uri="{FF2B5EF4-FFF2-40B4-BE49-F238E27FC236}">
-                <a16:creationId xmlns:a16="http://schemas.microsoft.com/office/drawing/2014/main" xmlns="" id="{AF012FDC-7484-2B3B-E496-144348256B81}"/>
+                <a16:creationId xmlns="" xmlns:a16="http://schemas.microsoft.com/office/drawing/2014/main" id="{AF012FDC-7484-2B3B-E496-144348256B81}"/>
               </a:ext>
             </a:extLst>
           </p:cNvPr>
@@ -29673,7 +29673,7 @@
           <p:cNvPr id="23" name="Group 22" descr="Timeline">
             <a:extLst>
               <a:ext uri="{FF2B5EF4-FFF2-40B4-BE49-F238E27FC236}">
-                <a16:creationId xmlns:a16="http://schemas.microsoft.com/office/drawing/2014/main" xmlns="" id="{1159C466-E4F0-6A0D-A9CC-74AADBD5DAFF}"/>
+                <a16:creationId xmlns="" xmlns:a16="http://schemas.microsoft.com/office/drawing/2014/main" id="{1159C466-E4F0-6A0D-A9CC-74AADBD5DAFF}"/>
               </a:ext>
             </a:extLst>
           </p:cNvPr>
@@ -29693,7 +29693,7 @@
             <p:cNvPr id="24" name="Rectangle 23">
               <a:extLst>
                 <a:ext uri="{FF2B5EF4-FFF2-40B4-BE49-F238E27FC236}">
-                  <a16:creationId xmlns:a16="http://schemas.microsoft.com/office/drawing/2014/main" xmlns="" id="{90CBBC65-85EF-6364-3B68-3CFC21849E0C}"/>
+                  <a16:creationId xmlns="" xmlns:a16="http://schemas.microsoft.com/office/drawing/2014/main" id="{90CBBC65-85EF-6364-3B68-3CFC21849E0C}"/>
                 </a:ext>
               </a:extLst>
             </p:cNvPr>
@@ -29716,7 +29716,7 @@
             <p:cNvPr id="26" name="Notched Right Arrow 3">
               <a:extLst>
                 <a:ext uri="{FF2B5EF4-FFF2-40B4-BE49-F238E27FC236}">
-                  <a16:creationId xmlns:a16="http://schemas.microsoft.com/office/drawing/2014/main" xmlns="" id="{94C38AD8-4E87-E85A-A145-AF0C5ADFFE49}"/>
+                  <a16:creationId xmlns="" xmlns:a16="http://schemas.microsoft.com/office/drawing/2014/main" id="{94C38AD8-4E87-E85A-A145-AF0C5ADFFE49}"/>
                 </a:ext>
               </a:extLst>
             </p:cNvPr>
@@ -29771,7 +29771,7 @@
             <p:cNvPr id="27" name="Freeform 4">
               <a:extLst>
                 <a:ext uri="{FF2B5EF4-FFF2-40B4-BE49-F238E27FC236}">
-                  <a16:creationId xmlns:a16="http://schemas.microsoft.com/office/drawing/2014/main" xmlns="" id="{156A48FB-0061-4786-3A1E-DC95088E731D}"/>
+                  <a16:creationId xmlns="" xmlns:a16="http://schemas.microsoft.com/office/drawing/2014/main" id="{156A48FB-0061-4786-3A1E-DC95088E731D}"/>
                 </a:ext>
               </a:extLst>
             </p:cNvPr>
@@ -29914,7 +29914,7 @@
             <p:cNvPr id="28" name="Oval 27">
               <a:extLst>
                 <a:ext uri="{FF2B5EF4-FFF2-40B4-BE49-F238E27FC236}">
-                  <a16:creationId xmlns:a16="http://schemas.microsoft.com/office/drawing/2014/main" xmlns="" id="{8922021D-7DD8-0F3B-F00E-71C2463A3211}"/>
+                  <a16:creationId xmlns="" xmlns:a16="http://schemas.microsoft.com/office/drawing/2014/main" id="{8922021D-7DD8-0F3B-F00E-71C2463A3211}"/>
                 </a:ext>
               </a:extLst>
             </p:cNvPr>
@@ -29968,7 +29968,7 @@
             <p:cNvPr id="29" name="Freeform 6">
               <a:extLst>
                 <a:ext uri="{FF2B5EF4-FFF2-40B4-BE49-F238E27FC236}">
-                  <a16:creationId xmlns:a16="http://schemas.microsoft.com/office/drawing/2014/main" xmlns="" id="{9E462748-0A30-2E07-A53E-5BB36588272A}"/>
+                  <a16:creationId xmlns="" xmlns:a16="http://schemas.microsoft.com/office/drawing/2014/main" id="{9E462748-0A30-2E07-A53E-5BB36588272A}"/>
                 </a:ext>
               </a:extLst>
             </p:cNvPr>
@@ -30111,7 +30111,7 @@
             <p:cNvPr id="30" name="Oval 29">
               <a:extLst>
                 <a:ext uri="{FF2B5EF4-FFF2-40B4-BE49-F238E27FC236}">
-                  <a16:creationId xmlns:a16="http://schemas.microsoft.com/office/drawing/2014/main" xmlns="" id="{B2BA672E-BBA3-32B1-F6ED-DB2DE4819C7F}"/>
+                  <a16:creationId xmlns="" xmlns:a16="http://schemas.microsoft.com/office/drawing/2014/main" id="{B2BA672E-BBA3-32B1-F6ED-DB2DE4819C7F}"/>
                 </a:ext>
               </a:extLst>
             </p:cNvPr>
@@ -30165,7 +30165,7 @@
             <p:cNvPr id="31" name="Freeform 8">
               <a:extLst>
                 <a:ext uri="{FF2B5EF4-FFF2-40B4-BE49-F238E27FC236}">
-                  <a16:creationId xmlns:a16="http://schemas.microsoft.com/office/drawing/2014/main" xmlns="" id="{1D188708-0FCE-5F57-DE30-F73BEB5D5B07}"/>
+                  <a16:creationId xmlns="" xmlns:a16="http://schemas.microsoft.com/office/drawing/2014/main" id="{1D188708-0FCE-5F57-DE30-F73BEB5D5B07}"/>
                 </a:ext>
               </a:extLst>
             </p:cNvPr>
@@ -30308,7 +30308,7 @@
             <p:cNvPr id="32" name="Oval 31">
               <a:extLst>
                 <a:ext uri="{FF2B5EF4-FFF2-40B4-BE49-F238E27FC236}">
-                  <a16:creationId xmlns:a16="http://schemas.microsoft.com/office/drawing/2014/main" xmlns="" id="{3D90EDE1-C91E-D21B-C779-F13AE49C2793}"/>
+                  <a16:creationId xmlns="" xmlns:a16="http://schemas.microsoft.com/office/drawing/2014/main" id="{3D90EDE1-C91E-D21B-C779-F13AE49C2793}"/>
                 </a:ext>
               </a:extLst>
             </p:cNvPr>
@@ -30362,7 +30362,7 @@
             <p:cNvPr id="33" name="Oval 32">
               <a:extLst>
                 <a:ext uri="{FF2B5EF4-FFF2-40B4-BE49-F238E27FC236}">
-                  <a16:creationId xmlns:a16="http://schemas.microsoft.com/office/drawing/2014/main" xmlns="" id="{1E903525-D671-8416-5529-6F7C5144B4A4}"/>
+                  <a16:creationId xmlns="" xmlns:a16="http://schemas.microsoft.com/office/drawing/2014/main" id="{1E903525-D671-8416-5529-6F7C5144B4A4}"/>
                 </a:ext>
               </a:extLst>
             </p:cNvPr>
@@ -30416,7 +30416,7 @@
             <p:cNvPr id="34" name="Freeform 11">
               <a:extLst>
                 <a:ext uri="{FF2B5EF4-FFF2-40B4-BE49-F238E27FC236}">
-                  <a16:creationId xmlns:a16="http://schemas.microsoft.com/office/drawing/2014/main" xmlns="" id="{336E0E35-2FD3-92DB-DB1E-D6D595193A14}"/>
+                  <a16:creationId xmlns="" xmlns:a16="http://schemas.microsoft.com/office/drawing/2014/main" id="{336E0E35-2FD3-92DB-DB1E-D6D595193A14}"/>
                 </a:ext>
               </a:extLst>
             </p:cNvPr>
@@ -30559,7 +30559,7 @@
             <p:cNvPr id="35" name="Oval 34">
               <a:extLst>
                 <a:ext uri="{FF2B5EF4-FFF2-40B4-BE49-F238E27FC236}">
-                  <a16:creationId xmlns:a16="http://schemas.microsoft.com/office/drawing/2014/main" xmlns="" id="{D361E8B1-3B90-9487-E6B5-89A57D08208C}"/>
+                  <a16:creationId xmlns="" xmlns:a16="http://schemas.microsoft.com/office/drawing/2014/main" id="{D361E8B1-3B90-9487-E6B5-89A57D08208C}"/>
                 </a:ext>
               </a:extLst>
             </p:cNvPr>
@@ -30613,7 +30613,7 @@
             <p:cNvPr id="36" name="Freeform 13">
               <a:extLst>
                 <a:ext uri="{FF2B5EF4-FFF2-40B4-BE49-F238E27FC236}">
-                  <a16:creationId xmlns:a16="http://schemas.microsoft.com/office/drawing/2014/main" xmlns="" id="{B81561E4-A68C-9814-D793-A16E2A7AA6CF}"/>
+                  <a16:creationId xmlns="" xmlns:a16="http://schemas.microsoft.com/office/drawing/2014/main" id="{B81561E4-A68C-9814-D793-A16E2A7AA6CF}"/>
                 </a:ext>
               </a:extLst>
             </p:cNvPr>
@@ -30774,7 +30774,7 @@
           <p:cNvPr id="3" name="Freeform 4">
             <a:extLst>
               <a:ext uri="{FF2B5EF4-FFF2-40B4-BE49-F238E27FC236}">
-                <a16:creationId xmlns:a16="http://schemas.microsoft.com/office/drawing/2014/main" xmlns="" id="{BCEC3D7D-9360-C959-A0D7-CF4F002B7237}"/>
+                <a16:creationId xmlns="" xmlns:a16="http://schemas.microsoft.com/office/drawing/2014/main" id="{BCEC3D7D-9360-C959-A0D7-CF4F002B7237}"/>
               </a:ext>
             </a:extLst>
           </p:cNvPr>
@@ -30907,7 +30907,7 @@
           <p:cNvPr id="6" name="Freeform 4">
             <a:extLst>
               <a:ext uri="{FF2B5EF4-FFF2-40B4-BE49-F238E27FC236}">
-                <a16:creationId xmlns:a16="http://schemas.microsoft.com/office/drawing/2014/main" xmlns="" id="{51197719-9260-925F-92E7-973E473588E6}"/>
+                <a16:creationId xmlns="" xmlns:a16="http://schemas.microsoft.com/office/drawing/2014/main" id="{51197719-9260-925F-92E7-973E473588E6}"/>
               </a:ext>
             </a:extLst>
           </p:cNvPr>
@@ -31070,7 +31070,7 @@
           <p:cNvPr id="12" name="Title 1">
             <a:extLst>
               <a:ext uri="{FF2B5EF4-FFF2-40B4-BE49-F238E27FC236}">
-                <a16:creationId xmlns:a16="http://schemas.microsoft.com/office/drawing/2014/main" xmlns="" id="{A6A64156-FC87-A765-C3CE-0553679E4428}"/>
+                <a16:creationId xmlns="" xmlns:a16="http://schemas.microsoft.com/office/drawing/2014/main" id="{A6A64156-FC87-A765-C3CE-0553679E4428}"/>
               </a:ext>
             </a:extLst>
           </p:cNvPr>
@@ -31109,7 +31109,7 @@
           <p:cNvPr id="5" name="Slide Number Placeholder 4">
             <a:extLst>
               <a:ext uri="{FF2B5EF4-FFF2-40B4-BE49-F238E27FC236}">
-                <a16:creationId xmlns:a16="http://schemas.microsoft.com/office/drawing/2014/main" xmlns="" id="{C6967967-643E-4DA8-D78B-0C76F116D96A}"/>
+                <a16:creationId xmlns="" xmlns:a16="http://schemas.microsoft.com/office/drawing/2014/main" id="{C6967967-643E-4DA8-D78B-0C76F116D96A}"/>
               </a:ext>
             </a:extLst>
           </p:cNvPr>
@@ -31155,7 +31155,7 @@
           <p:cNvPr id="7" name="Content Placeholder 6">
             <a:extLst>
               <a:ext uri="{FF2B5EF4-FFF2-40B4-BE49-F238E27FC236}">
-                <a16:creationId xmlns:a16="http://schemas.microsoft.com/office/drawing/2014/main" xmlns="" id="{04CBBD7D-313E-7111-7CF2-66B5BE50849A}"/>
+                <a16:creationId xmlns="" xmlns:a16="http://schemas.microsoft.com/office/drawing/2014/main" id="{04CBBD7D-313E-7111-7CF2-66B5BE50849A}"/>
               </a:ext>
             </a:extLst>
           </p:cNvPr>
@@ -31185,14 +31185,14 @@
                 <a:gridCol w="3685218">
                   <a:extLst>
                     <a:ext uri="{9D8B030D-6E8A-4147-A177-3AD203B41FA5}">
-                      <a16:colId xmlns:a16="http://schemas.microsoft.com/office/drawing/2014/main" xmlns="" val="1230293613"/>
+                      <a16:colId xmlns="" xmlns:a16="http://schemas.microsoft.com/office/drawing/2014/main" val="1230293613"/>
                     </a:ext>
                   </a:extLst>
                 </a:gridCol>
                 <a:gridCol w="2669505">
                   <a:extLst>
                     <a:ext uri="{9D8B030D-6E8A-4147-A177-3AD203B41FA5}">
-                      <a16:colId xmlns:a16="http://schemas.microsoft.com/office/drawing/2014/main" xmlns="" val="2193417058"/>
+                      <a16:colId xmlns="" xmlns:a16="http://schemas.microsoft.com/office/drawing/2014/main" val="2193417058"/>
                     </a:ext>
                   </a:extLst>
                 </a:gridCol>
@@ -31342,7 +31342,7 @@
                 </a:tc>
                 <a:extLst>
                   <a:ext uri="{0D108BD9-81ED-4DB2-BD59-A6C34878D82A}">
-                    <a16:rowId xmlns:a16="http://schemas.microsoft.com/office/drawing/2014/main" xmlns="" val="2161630371"/>
+                    <a16:rowId xmlns="" xmlns:a16="http://schemas.microsoft.com/office/drawing/2014/main" val="2161630371"/>
                   </a:ext>
                 </a:extLst>
               </a:tr>
@@ -31490,7 +31490,7 @@
                 </a:tc>
                 <a:extLst>
                   <a:ext uri="{0D108BD9-81ED-4DB2-BD59-A6C34878D82A}">
-                    <a16:rowId xmlns:a16="http://schemas.microsoft.com/office/drawing/2014/main" xmlns="" val="2478060301"/>
+                    <a16:rowId xmlns="" xmlns:a16="http://schemas.microsoft.com/office/drawing/2014/main" val="2478060301"/>
                   </a:ext>
                 </a:extLst>
               </a:tr>
@@ -31639,7 +31639,7 @@
                 </a:tc>
                 <a:extLst>
                   <a:ext uri="{0D108BD9-81ED-4DB2-BD59-A6C34878D82A}">
-                    <a16:rowId xmlns:a16="http://schemas.microsoft.com/office/drawing/2014/main" xmlns="" val="3039863540"/>
+                    <a16:rowId xmlns="" xmlns:a16="http://schemas.microsoft.com/office/drawing/2014/main" val="3039863540"/>
                   </a:ext>
                 </a:extLst>
               </a:tr>
@@ -31788,7 +31788,7 @@
                 </a:tc>
                 <a:extLst>
                   <a:ext uri="{0D108BD9-81ED-4DB2-BD59-A6C34878D82A}">
-                    <a16:rowId xmlns:a16="http://schemas.microsoft.com/office/drawing/2014/main" xmlns="" val="2280499186"/>
+                    <a16:rowId xmlns="" xmlns:a16="http://schemas.microsoft.com/office/drawing/2014/main" val="2280499186"/>
                   </a:ext>
                 </a:extLst>
               </a:tr>
@@ -31937,7 +31937,7 @@
                 </a:tc>
                 <a:extLst>
                   <a:ext uri="{0D108BD9-81ED-4DB2-BD59-A6C34878D82A}">
-                    <a16:rowId xmlns:a16="http://schemas.microsoft.com/office/drawing/2014/main" xmlns="" val="972807942"/>
+                    <a16:rowId xmlns="" xmlns:a16="http://schemas.microsoft.com/office/drawing/2014/main" val="972807942"/>
                   </a:ext>
                 </a:extLst>
               </a:tr>
@@ -32086,7 +32086,7 @@
                 </a:tc>
                 <a:extLst>
                   <a:ext uri="{0D108BD9-81ED-4DB2-BD59-A6C34878D82A}">
-                    <a16:rowId xmlns:a16="http://schemas.microsoft.com/office/drawing/2014/main" xmlns="" val="937598882"/>
+                    <a16:rowId xmlns="" xmlns:a16="http://schemas.microsoft.com/office/drawing/2014/main" val="937598882"/>
                   </a:ext>
                 </a:extLst>
               </a:tr>
@@ -32201,7 +32201,7 @@
                 </a:tc>
                 <a:extLst>
                   <a:ext uri="{0D108BD9-81ED-4DB2-BD59-A6C34878D82A}">
-                    <a16:rowId xmlns:a16="http://schemas.microsoft.com/office/drawing/2014/main" xmlns="" val="2936223805"/>
+                    <a16:rowId xmlns="" xmlns:a16="http://schemas.microsoft.com/office/drawing/2014/main" val="2936223805"/>
                   </a:ext>
                 </a:extLst>
               </a:tr>
@@ -32360,7 +32360,7 @@
                 </a:tc>
                 <a:extLst>
                   <a:ext uri="{0D108BD9-81ED-4DB2-BD59-A6C34878D82A}">
-                    <a16:rowId xmlns:a16="http://schemas.microsoft.com/office/drawing/2014/main" xmlns="" val="407862008"/>
+                    <a16:rowId xmlns="" xmlns:a16="http://schemas.microsoft.com/office/drawing/2014/main" val="407862008"/>
                   </a:ext>
                 </a:extLst>
               </a:tr>
@@ -32519,7 +32519,7 @@
                 </a:tc>
                 <a:extLst>
                   <a:ext uri="{0D108BD9-81ED-4DB2-BD59-A6C34878D82A}">
-                    <a16:rowId xmlns:a16="http://schemas.microsoft.com/office/drawing/2014/main" xmlns="" val="3669105526"/>
+                    <a16:rowId xmlns="" xmlns:a16="http://schemas.microsoft.com/office/drawing/2014/main" val="3669105526"/>
                   </a:ext>
                 </a:extLst>
               </a:tr>
@@ -32678,7 +32678,7 @@
                 </a:tc>
                 <a:extLst>
                   <a:ext uri="{0D108BD9-81ED-4DB2-BD59-A6C34878D82A}">
-                    <a16:rowId xmlns:a16="http://schemas.microsoft.com/office/drawing/2014/main" xmlns="" val="3826107323"/>
+                    <a16:rowId xmlns="" xmlns:a16="http://schemas.microsoft.com/office/drawing/2014/main" val="3826107323"/>
                   </a:ext>
                 </a:extLst>
               </a:tr>
@@ -32721,7 +32721,7 @@
           <p:cNvPr id="2" name="Title 1">
             <a:extLst>
               <a:ext uri="{FF2B5EF4-FFF2-40B4-BE49-F238E27FC236}">
-                <a16:creationId xmlns:a16="http://schemas.microsoft.com/office/drawing/2014/main" xmlns="" id="{13D052C3-E6C9-BF25-B3AA-2FF1455F2FC3}"/>
+                <a16:creationId xmlns="" xmlns:a16="http://schemas.microsoft.com/office/drawing/2014/main" id="{13D052C3-E6C9-BF25-B3AA-2FF1455F2FC3}"/>
               </a:ext>
             </a:extLst>
           </p:cNvPr>
@@ -32754,7 +32754,7 @@
           <p:cNvPr id="3" name="Content Placeholder 12">
             <a:extLst>
               <a:ext uri="{FF2B5EF4-FFF2-40B4-BE49-F238E27FC236}">
-                <a16:creationId xmlns:a16="http://schemas.microsoft.com/office/drawing/2014/main" xmlns="" id="{F09CE05C-ED3D-5E06-730E-81354B5AD3FA}"/>
+                <a16:creationId xmlns="" xmlns:a16="http://schemas.microsoft.com/office/drawing/2014/main" id="{F09CE05C-ED3D-5E06-730E-81354B5AD3FA}"/>
               </a:ext>
             </a:extLst>
           </p:cNvPr>
@@ -32784,7 +32784,7 @@
           <p:cNvPr id="4" name="Picture 3">
             <a:extLst>
               <a:ext uri="{FF2B5EF4-FFF2-40B4-BE49-F238E27FC236}">
-                <a16:creationId xmlns:a16="http://schemas.microsoft.com/office/drawing/2014/main" xmlns="" id="{8EDA5AAF-334C-4CEE-DD8B-5AA77662610C}"/>
+                <a16:creationId xmlns="" xmlns:a16="http://schemas.microsoft.com/office/drawing/2014/main" id="{8EDA5AAF-334C-4CEE-DD8B-5AA77662610C}"/>
               </a:ext>
             </a:extLst>
           </p:cNvPr>
@@ -32814,7 +32814,7 @@
           <p:cNvPr id="5" name="Picture 4">
             <a:extLst>
               <a:ext uri="{FF2B5EF4-FFF2-40B4-BE49-F238E27FC236}">
-                <a16:creationId xmlns:a16="http://schemas.microsoft.com/office/drawing/2014/main" xmlns="" id="{563204DA-E021-0CB8-F35A-856D308384B1}"/>
+                <a16:creationId xmlns="" xmlns:a16="http://schemas.microsoft.com/office/drawing/2014/main" id="{563204DA-E021-0CB8-F35A-856D308384B1}"/>
               </a:ext>
             </a:extLst>
           </p:cNvPr>
@@ -32844,7 +32844,7 @@
           <p:cNvPr id="6" name="Picture 5">
             <a:extLst>
               <a:ext uri="{FF2B5EF4-FFF2-40B4-BE49-F238E27FC236}">
-                <a16:creationId xmlns:a16="http://schemas.microsoft.com/office/drawing/2014/main" xmlns="" id="{86EE324A-0C3C-0340-AB82-FB08825A96B4}"/>
+                <a16:creationId xmlns="" xmlns:a16="http://schemas.microsoft.com/office/drawing/2014/main" id="{86EE324A-0C3C-0340-AB82-FB08825A96B4}"/>
               </a:ext>
             </a:extLst>
           </p:cNvPr>
@@ -32874,7 +32874,7 @@
           <p:cNvPr id="12" name="Picture 11" descr="A yellow emoji with hands on it&#10;&#10;Description automatically generated">
             <a:extLst>
               <a:ext uri="{FF2B5EF4-FFF2-40B4-BE49-F238E27FC236}">
-                <a16:creationId xmlns:a16="http://schemas.microsoft.com/office/drawing/2014/main" xmlns="" id="{63FB0F2C-052F-BACC-6988-4A545F3399A3}"/>
+                <a16:creationId xmlns="" xmlns:a16="http://schemas.microsoft.com/office/drawing/2014/main" id="{63FB0F2C-052F-BACC-6988-4A545F3399A3}"/>
               </a:ext>
             </a:extLst>
           </p:cNvPr>
@@ -32916,7 +32916,7 @@
           <p:cNvPr id="13" name="Picture 12">
             <a:extLst>
               <a:ext uri="{FF2B5EF4-FFF2-40B4-BE49-F238E27FC236}">
-                <a16:creationId xmlns:a16="http://schemas.microsoft.com/office/drawing/2014/main" xmlns="" id="{67DAE226-43DE-32E3-C59B-C53786EB46AB}"/>
+                <a16:creationId xmlns="" xmlns:a16="http://schemas.microsoft.com/office/drawing/2014/main" id="{67DAE226-43DE-32E3-C59B-C53786EB46AB}"/>
               </a:ext>
             </a:extLst>
           </p:cNvPr>
@@ -32976,7 +32976,7 @@
           <p:cNvPr id="2" name="Title 1">
             <a:extLst>
               <a:ext uri="{FF2B5EF4-FFF2-40B4-BE49-F238E27FC236}">
-                <a16:creationId xmlns:a16="http://schemas.microsoft.com/office/drawing/2014/main" xmlns="" id="{27B37A93-7748-A8E3-0917-69C513E0D4E3}"/>
+                <a16:creationId xmlns="" xmlns:a16="http://schemas.microsoft.com/office/drawing/2014/main" id="{27B37A93-7748-A8E3-0917-69C513E0D4E3}"/>
               </a:ext>
             </a:extLst>
           </p:cNvPr>
@@ -33040,7 +33040,7 @@
           <p:cNvPr id="2" name="Title 1">
             <a:extLst>
               <a:ext uri="{FF2B5EF4-FFF2-40B4-BE49-F238E27FC236}">
-                <a16:creationId xmlns:a16="http://schemas.microsoft.com/office/drawing/2014/main" xmlns="" id="{0EB47968-133B-964B-336A-7F527A8F7FBD}"/>
+                <a16:creationId xmlns="" xmlns:a16="http://schemas.microsoft.com/office/drawing/2014/main" id="{0EB47968-133B-964B-336A-7F527A8F7FBD}"/>
               </a:ext>
             </a:extLst>
           </p:cNvPr>
@@ -33079,7 +33079,7 @@
           <p:cNvPr id="3" name="Content Placeholder 2">
             <a:extLst>
               <a:ext uri="{FF2B5EF4-FFF2-40B4-BE49-F238E27FC236}">
-                <a16:creationId xmlns:a16="http://schemas.microsoft.com/office/drawing/2014/main" xmlns="" id="{01FB2B71-230C-D974-7C4D-D26E78A8C5F0}"/>
+                <a16:creationId xmlns="" xmlns:a16="http://schemas.microsoft.com/office/drawing/2014/main" id="{01FB2B71-230C-D974-7C4D-D26E78A8C5F0}"/>
               </a:ext>
             </a:extLst>
           </p:cNvPr>
@@ -33188,7 +33188,7 @@
           <p:cNvPr id="4" name="Slide Number Placeholder 3">
             <a:extLst>
               <a:ext uri="{FF2B5EF4-FFF2-40B4-BE49-F238E27FC236}">
-                <a16:creationId xmlns:a16="http://schemas.microsoft.com/office/drawing/2014/main" xmlns="" id="{6745591E-C957-2D62-5718-8B9B1178D915}"/>
+                <a16:creationId xmlns="" xmlns:a16="http://schemas.microsoft.com/office/drawing/2014/main" id="{6745591E-C957-2D62-5718-8B9B1178D915}"/>
               </a:ext>
             </a:extLst>
           </p:cNvPr>
@@ -33248,7 +33248,7 @@
           <p:cNvPr id="2" name="Title 1">
             <a:extLst>
               <a:ext uri="{FF2B5EF4-FFF2-40B4-BE49-F238E27FC236}">
-                <a16:creationId xmlns:a16="http://schemas.microsoft.com/office/drawing/2014/main" xmlns="" id="{4245BC45-7562-DB19-081C-B49A6BCFD386}"/>
+                <a16:creationId xmlns="" xmlns:a16="http://schemas.microsoft.com/office/drawing/2014/main" id="{4245BC45-7562-DB19-081C-B49A6BCFD386}"/>
               </a:ext>
             </a:extLst>
           </p:cNvPr>
@@ -33282,7 +33282,7 @@
           <p:cNvPr id="6" name="Content Placeholder 2">
             <a:extLst>
               <a:ext uri="{FF2B5EF4-FFF2-40B4-BE49-F238E27FC236}">
-                <a16:creationId xmlns:a16="http://schemas.microsoft.com/office/drawing/2014/main" xmlns="" id="{B8CBC391-31FF-E00E-FD26-50AB67FCD69A}"/>
+                <a16:creationId xmlns="" xmlns:a16="http://schemas.microsoft.com/office/drawing/2014/main" id="{B8CBC391-31FF-E00E-FD26-50AB67FCD69A}"/>
               </a:ext>
             </a:extLst>
           </p:cNvPr>
@@ -33555,7 +33555,7 @@
           <p:cNvPr id="2" name="Title 1">
             <a:extLst>
               <a:ext uri="{FF2B5EF4-FFF2-40B4-BE49-F238E27FC236}">
-                <a16:creationId xmlns:a16="http://schemas.microsoft.com/office/drawing/2014/main" xmlns="" id="{C3F46C7B-D29F-368C-FEEC-CDFA125F8E5C}"/>
+                <a16:creationId xmlns="" xmlns:a16="http://schemas.microsoft.com/office/drawing/2014/main" id="{C3F46C7B-D29F-368C-FEEC-CDFA125F8E5C}"/>
               </a:ext>
             </a:extLst>
           </p:cNvPr>
@@ -33588,7 +33588,7 @@
           <p:cNvPr id="6" name="Table 4">
             <a:extLst>
               <a:ext uri="{FF2B5EF4-FFF2-40B4-BE49-F238E27FC236}">
-                <a16:creationId xmlns:a16="http://schemas.microsoft.com/office/drawing/2014/main" xmlns="" id="{0D6FB95E-6987-A57C-3663-3FD6F6FAC24E}"/>
+                <a16:creationId xmlns="" xmlns:a16="http://schemas.microsoft.com/office/drawing/2014/main" id="{0D6FB95E-6987-A57C-3663-3FD6F6FAC24E}"/>
               </a:ext>
             </a:extLst>
           </p:cNvPr>
@@ -33616,7 +33616,7 @@
                 <a:gridCol w="4870621">
                   <a:extLst>
                     <a:ext uri="{9D8B030D-6E8A-4147-A177-3AD203B41FA5}">
-                      <a16:colId xmlns:a16="http://schemas.microsoft.com/office/drawing/2014/main" xmlns="" val="1563570424"/>
+                      <a16:colId xmlns="" xmlns:a16="http://schemas.microsoft.com/office/drawing/2014/main" val="1563570424"/>
                     </a:ext>
                   </a:extLst>
                 </a:gridCol>
@@ -33696,7 +33696,7 @@
                 </a:tc>
                 <a:extLst>
                   <a:ext uri="{0D108BD9-81ED-4DB2-BD59-A6C34878D82A}">
-                    <a16:rowId xmlns:a16="http://schemas.microsoft.com/office/drawing/2014/main" xmlns="" val="1289471877"/>
+                    <a16:rowId xmlns="" xmlns:a16="http://schemas.microsoft.com/office/drawing/2014/main" val="1289471877"/>
                   </a:ext>
                 </a:extLst>
               </a:tr>
@@ -33768,7 +33768,7 @@
                 </a:tc>
                 <a:extLst>
                   <a:ext uri="{0D108BD9-81ED-4DB2-BD59-A6C34878D82A}">
-                    <a16:rowId xmlns:a16="http://schemas.microsoft.com/office/drawing/2014/main" xmlns="" val="1836238222"/>
+                    <a16:rowId xmlns="" xmlns:a16="http://schemas.microsoft.com/office/drawing/2014/main" val="1836238222"/>
                   </a:ext>
                 </a:extLst>
               </a:tr>
@@ -33840,7 +33840,7 @@
                 </a:tc>
                 <a:extLst>
                   <a:ext uri="{0D108BD9-81ED-4DB2-BD59-A6C34878D82A}">
-                    <a16:rowId xmlns:a16="http://schemas.microsoft.com/office/drawing/2014/main" xmlns="" val="2824452646"/>
+                    <a16:rowId xmlns="" xmlns:a16="http://schemas.microsoft.com/office/drawing/2014/main" val="2824452646"/>
                   </a:ext>
                 </a:extLst>
               </a:tr>
@@ -33928,7 +33928,7 @@
                 </a:tc>
                 <a:extLst>
                   <a:ext uri="{0D108BD9-81ED-4DB2-BD59-A6C34878D82A}">
-                    <a16:rowId xmlns:a16="http://schemas.microsoft.com/office/drawing/2014/main" xmlns="" val="1390977400"/>
+                    <a16:rowId xmlns="" xmlns:a16="http://schemas.microsoft.com/office/drawing/2014/main" val="1390977400"/>
                   </a:ext>
                 </a:extLst>
               </a:tr>
@@ -34005,7 +34005,7 @@
                 </a:tc>
                 <a:extLst>
                   <a:ext uri="{0D108BD9-81ED-4DB2-BD59-A6C34878D82A}">
-                    <a16:rowId xmlns:a16="http://schemas.microsoft.com/office/drawing/2014/main" xmlns="" val="2022983450"/>
+                    <a16:rowId xmlns="" xmlns:a16="http://schemas.microsoft.com/office/drawing/2014/main" val="2022983450"/>
                   </a:ext>
                 </a:extLst>
               </a:tr>
@@ -34090,7 +34090,7 @@
                 </a:tc>
                 <a:extLst>
                   <a:ext uri="{0D108BD9-81ED-4DB2-BD59-A6C34878D82A}">
-                    <a16:rowId xmlns:a16="http://schemas.microsoft.com/office/drawing/2014/main" xmlns="" val="3056376589"/>
+                    <a16:rowId xmlns="" xmlns:a16="http://schemas.microsoft.com/office/drawing/2014/main" val="3056376589"/>
                   </a:ext>
                 </a:extLst>
               </a:tr>
@@ -34133,7 +34133,7 @@
           <p:cNvPr id="2" name="Title 1">
             <a:extLst>
               <a:ext uri="{FF2B5EF4-FFF2-40B4-BE49-F238E27FC236}">
-                <a16:creationId xmlns:a16="http://schemas.microsoft.com/office/drawing/2014/main" xmlns="" id="{E8F2371E-AC99-CCC8-724B-CC73D603D607}"/>
+                <a16:creationId xmlns="" xmlns:a16="http://schemas.microsoft.com/office/drawing/2014/main" id="{E8F2371E-AC99-CCC8-724B-CC73D603D607}"/>
               </a:ext>
             </a:extLst>
           </p:cNvPr>
@@ -34162,7 +34162,7 @@
           <p:cNvPr id="3" name="Content Placeholder 2">
             <a:extLst>
               <a:ext uri="{FF2B5EF4-FFF2-40B4-BE49-F238E27FC236}">
-                <a16:creationId xmlns:a16="http://schemas.microsoft.com/office/drawing/2014/main" xmlns="" id="{FDCFB682-3F21-655B-9951-FF4D3C8379E7}"/>
+                <a16:creationId xmlns="" xmlns:a16="http://schemas.microsoft.com/office/drawing/2014/main" id="{FDCFB682-3F21-655B-9951-FF4D3C8379E7}"/>
               </a:ext>
             </a:extLst>
           </p:cNvPr>
@@ -34230,7 +34230,7 @@
           <p:cNvPr id="5" name="Slide Number Placeholder 4">
             <a:extLst>
               <a:ext uri="{FF2B5EF4-FFF2-40B4-BE49-F238E27FC236}">
-                <a16:creationId xmlns:a16="http://schemas.microsoft.com/office/drawing/2014/main" xmlns="" id="{290E771D-CB06-6D21-CB9D-C703D5DB7B18}"/>
+                <a16:creationId xmlns="" xmlns:a16="http://schemas.microsoft.com/office/drawing/2014/main" id="{290E771D-CB06-6D21-CB9D-C703D5DB7B18}"/>
               </a:ext>
             </a:extLst>
           </p:cNvPr>
@@ -34290,7 +34290,7 @@
           <p:cNvPr id="2" name="Title 1">
             <a:extLst>
               <a:ext uri="{FF2B5EF4-FFF2-40B4-BE49-F238E27FC236}">
-                <a16:creationId xmlns:a16="http://schemas.microsoft.com/office/drawing/2014/main" xmlns="" id="{C7E631A1-BA51-EC1B-F004-BBD5F80CF786}"/>
+                <a16:creationId xmlns="" xmlns:a16="http://schemas.microsoft.com/office/drawing/2014/main" id="{C7E631A1-BA51-EC1B-F004-BBD5F80CF786}"/>
               </a:ext>
             </a:extLst>
           </p:cNvPr>
@@ -34324,7 +34324,7 @@
           <p:cNvPr id="4" name="Content Placeholder 3">
             <a:extLst>
               <a:ext uri="{FF2B5EF4-FFF2-40B4-BE49-F238E27FC236}">
-                <a16:creationId xmlns:a16="http://schemas.microsoft.com/office/drawing/2014/main" xmlns="" id="{201E5384-15DD-C4F5-2F43-19384E3841AE}"/>
+                <a16:creationId xmlns="" xmlns:a16="http://schemas.microsoft.com/office/drawing/2014/main" id="{201E5384-15DD-C4F5-2F43-19384E3841AE}"/>
               </a:ext>
             </a:extLst>
           </p:cNvPr>
@@ -34416,7 +34416,7 @@
           <p:cNvPr id="5" name="Slide Number Placeholder 4">
             <a:extLst>
               <a:ext uri="{FF2B5EF4-FFF2-40B4-BE49-F238E27FC236}">
-                <a16:creationId xmlns:a16="http://schemas.microsoft.com/office/drawing/2014/main" xmlns="" id="{3302E217-4581-F24F-0CBB-3BB6CB5D2C21}"/>
+                <a16:creationId xmlns="" xmlns:a16="http://schemas.microsoft.com/office/drawing/2014/main" id="{3302E217-4581-F24F-0CBB-3BB6CB5D2C21}"/>
               </a:ext>
             </a:extLst>
           </p:cNvPr>
@@ -34476,7 +34476,7 @@
           <p:cNvPr id="2" name="Title 1">
             <a:extLst>
               <a:ext uri="{FF2B5EF4-FFF2-40B4-BE49-F238E27FC236}">
-                <a16:creationId xmlns:a16="http://schemas.microsoft.com/office/drawing/2014/main" xmlns="" id="{770C39F4-5976-FF9F-DE6A-ED222DE58A6A}"/>
+                <a16:creationId xmlns="" xmlns:a16="http://schemas.microsoft.com/office/drawing/2014/main" id="{770C39F4-5976-FF9F-DE6A-ED222DE58A6A}"/>
               </a:ext>
             </a:extLst>
           </p:cNvPr>
@@ -34509,7 +34509,7 @@
           <p:cNvPr id="4" name="Content Placeholder 3">
             <a:extLst>
               <a:ext uri="{FF2B5EF4-FFF2-40B4-BE49-F238E27FC236}">
-                <a16:creationId xmlns:a16="http://schemas.microsoft.com/office/drawing/2014/main" xmlns="" id="{A7633D70-0EC1-216D-CF50-4AEC7CEF6A80}"/>
+                <a16:creationId xmlns="" xmlns:a16="http://schemas.microsoft.com/office/drawing/2014/main" id="{A7633D70-0EC1-216D-CF50-4AEC7CEF6A80}"/>
               </a:ext>
             </a:extLst>
           </p:cNvPr>
@@ -34765,7 +34765,7 @@
           <p:cNvPr id="9" name="Title 8">
             <a:extLst>
               <a:ext uri="{FF2B5EF4-FFF2-40B4-BE49-F238E27FC236}">
-                <a16:creationId xmlns:a16="http://schemas.microsoft.com/office/drawing/2014/main" xmlns="" id="{EB33A77B-664F-FFD3-D61A-0D344C269A12}"/>
+                <a16:creationId xmlns="" xmlns:a16="http://schemas.microsoft.com/office/drawing/2014/main" id="{EB33A77B-664F-FFD3-D61A-0D344C269A12}"/>
               </a:ext>
             </a:extLst>
           </p:cNvPr>
@@ -34799,7 +34799,7 @@
           <p:cNvPr id="4" name="Slide Number Placeholder 3">
             <a:extLst>
               <a:ext uri="{FF2B5EF4-FFF2-40B4-BE49-F238E27FC236}">
-                <a16:creationId xmlns:a16="http://schemas.microsoft.com/office/drawing/2014/main" xmlns="" id="{AE59500A-4B75-29F9-CE37-C3E13D6A566A}"/>
+                <a16:creationId xmlns="" xmlns:a16="http://schemas.microsoft.com/office/drawing/2014/main" id="{AE59500A-4B75-29F9-CE37-C3E13D6A566A}"/>
               </a:ext>
             </a:extLst>
           </p:cNvPr>
@@ -34834,7 +34834,7 @@
           <p:cNvPr id="7" name="Content Placeholder 4">
             <a:extLst>
               <a:ext uri="{FF2B5EF4-FFF2-40B4-BE49-F238E27FC236}">
-                <a16:creationId xmlns:a16="http://schemas.microsoft.com/office/drawing/2014/main" xmlns="" id="{7DA9EE9E-3073-7E11-3AA5-F77C3B48A97F}"/>
+                <a16:creationId xmlns="" xmlns:a16="http://schemas.microsoft.com/office/drawing/2014/main" id="{7DA9EE9E-3073-7E11-3AA5-F77C3B48A97F}"/>
               </a:ext>
             </a:extLst>
           </p:cNvPr>
@@ -35098,7 +35098,7 @@
           <p:cNvPr id="8" name="Content Placeholder 4">
             <a:extLst>
               <a:ext uri="{FF2B5EF4-FFF2-40B4-BE49-F238E27FC236}">
-                <a16:creationId xmlns:a16="http://schemas.microsoft.com/office/drawing/2014/main" xmlns="" id="{42B49086-683A-832C-7293-35A97020F21B}"/>
+                <a16:creationId xmlns="" xmlns:a16="http://schemas.microsoft.com/office/drawing/2014/main" id="{42B49086-683A-832C-7293-35A97020F21B}"/>
               </a:ext>
             </a:extLst>
           </p:cNvPr>
@@ -35669,7 +35669,7 @@
           <p:cNvPr id="6" name="Title 5">
             <a:extLst>
               <a:ext uri="{FF2B5EF4-FFF2-40B4-BE49-F238E27FC236}">
-                <a16:creationId xmlns:a16="http://schemas.microsoft.com/office/drawing/2014/main" xmlns="" id="{D5DC0028-4150-0F89-E59C-F563C67F6CFD}"/>
+                <a16:creationId xmlns="" xmlns:a16="http://schemas.microsoft.com/office/drawing/2014/main" id="{D5DC0028-4150-0F89-E59C-F563C67F6CFD}"/>
               </a:ext>
             </a:extLst>
           </p:cNvPr>
@@ -35702,7 +35702,7 @@
           <p:cNvPr id="10" name="Picture 9">
             <a:extLst>
               <a:ext uri="{FF2B5EF4-FFF2-40B4-BE49-F238E27FC236}">
-                <a16:creationId xmlns:a16="http://schemas.microsoft.com/office/drawing/2014/main" xmlns="" id="{6F95E668-3AC7-33B8-55E9-925F3BC79E3E}"/>
+                <a16:creationId xmlns="" xmlns:a16="http://schemas.microsoft.com/office/drawing/2014/main" id="{6F95E668-3AC7-33B8-55E9-925F3BC79E3E}"/>
               </a:ext>
             </a:extLst>
           </p:cNvPr>
@@ -35727,353 +35727,6 @@
           </a:prstGeom>
         </p:spPr>
       </p:pic>
-      <p:sp>
-        <p:nvSpPr>
-          <p:cNvPr id="11" name="Content Placeholder 7">
-            <a:extLst>
-              <a:ext uri="{FF2B5EF4-FFF2-40B4-BE49-F238E27FC236}">
-                <a16:creationId xmlns:a16="http://schemas.microsoft.com/office/drawing/2014/main" xmlns="" id="{611496B2-1D74-94B1-9C93-9FFE748465EE}"/>
-              </a:ext>
-            </a:extLst>
-          </p:cNvPr>
-          <p:cNvSpPr txBox="1">
-            <a:spLocks/>
-          </p:cNvSpPr>
-          <p:nvPr/>
-        </p:nvSpPr>
-        <p:spPr>
-          <a:xfrm>
-            <a:off x="1373" y="4695814"/>
-            <a:ext cx="5214716" cy="2162089"/>
-          </a:xfrm>
-          <a:prstGeom prst="rect">
-            <a:avLst/>
-          </a:prstGeom>
-        </p:spPr>
-        <p:txBody>
-          <a:bodyPr lIns="91440" tIns="45720" rIns="91440" bIns="45720" anchor="t"/>
-          <a:lstStyle>
-            <a:lvl1pPr marL="228600" indent="-228600" algn="l" defTabSz="914400" rtl="0" eaLnBrk="1" latinLnBrk="0" hangingPunct="1">
-              <a:lnSpc>
-                <a:spcPct val="90000"/>
-              </a:lnSpc>
-              <a:spcBef>
-                <a:spcPts val="1000"/>
-              </a:spcBef>
-              <a:buFont typeface="Arial" panose="020B0604020202020204" pitchFamily="34" charset="0"/>
-              <a:buChar char="•"/>
-              <a:defRPr sz="2800" kern="1200">
-                <a:solidFill>
-                  <a:schemeClr val="tx1"/>
-                </a:solidFill>
-                <a:latin typeface="+mn-lt"/>
-                <a:ea typeface="+mn-ea"/>
-                <a:cs typeface="+mn-cs"/>
-              </a:defRPr>
-            </a:lvl1pPr>
-            <a:lvl2pPr marL="685800" indent="-228600" algn="l" defTabSz="914400" rtl="0" eaLnBrk="1" latinLnBrk="0" hangingPunct="1">
-              <a:lnSpc>
-                <a:spcPct val="90000"/>
-              </a:lnSpc>
-              <a:spcBef>
-                <a:spcPts val="500"/>
-              </a:spcBef>
-              <a:buFont typeface="Arial" panose="020B0604020202020204" pitchFamily="34" charset="0"/>
-              <a:buChar char="•"/>
-              <a:defRPr sz="2400" kern="1200">
-                <a:solidFill>
-                  <a:schemeClr val="tx1"/>
-                </a:solidFill>
-                <a:latin typeface="+mn-lt"/>
-                <a:ea typeface="+mn-ea"/>
-                <a:cs typeface="+mn-cs"/>
-              </a:defRPr>
-            </a:lvl2pPr>
-            <a:lvl3pPr marL="1143000" indent="-228600" algn="l" defTabSz="914400" rtl="0" eaLnBrk="1" latinLnBrk="0" hangingPunct="1">
-              <a:lnSpc>
-                <a:spcPct val="90000"/>
-              </a:lnSpc>
-              <a:spcBef>
-                <a:spcPts val="500"/>
-              </a:spcBef>
-              <a:buFont typeface="Arial" panose="020B0604020202020204" pitchFamily="34" charset="0"/>
-              <a:buChar char="•"/>
-              <a:defRPr sz="2000" kern="1200">
-                <a:solidFill>
-                  <a:schemeClr val="tx1"/>
-                </a:solidFill>
-                <a:latin typeface="+mn-lt"/>
-                <a:ea typeface="+mn-ea"/>
-                <a:cs typeface="+mn-cs"/>
-              </a:defRPr>
-            </a:lvl3pPr>
-            <a:lvl4pPr marL="1600200" indent="-228600" algn="l" defTabSz="914400" rtl="0" eaLnBrk="1" latinLnBrk="0" hangingPunct="1">
-              <a:lnSpc>
-                <a:spcPct val="90000"/>
-              </a:lnSpc>
-              <a:spcBef>
-                <a:spcPts val="500"/>
-              </a:spcBef>
-              <a:buFont typeface="Arial" panose="020B0604020202020204" pitchFamily="34" charset="0"/>
-              <a:buChar char="•"/>
-              <a:defRPr sz="1800" kern="1200">
-                <a:solidFill>
-                  <a:schemeClr val="tx1"/>
-                </a:solidFill>
-                <a:latin typeface="+mn-lt"/>
-                <a:ea typeface="+mn-ea"/>
-                <a:cs typeface="+mn-cs"/>
-              </a:defRPr>
-            </a:lvl4pPr>
-            <a:lvl5pPr marL="2057400" indent="-228600" algn="l" defTabSz="914400" rtl="0" eaLnBrk="1" latinLnBrk="0" hangingPunct="1">
-              <a:lnSpc>
-                <a:spcPct val="90000"/>
-              </a:lnSpc>
-              <a:spcBef>
-                <a:spcPts val="500"/>
-              </a:spcBef>
-              <a:buFont typeface="Arial" panose="020B0604020202020204" pitchFamily="34" charset="0"/>
-              <a:buChar char="•"/>
-              <a:defRPr sz="1800" kern="1200">
-                <a:solidFill>
-                  <a:schemeClr val="tx1"/>
-                </a:solidFill>
-                <a:latin typeface="+mn-lt"/>
-                <a:ea typeface="+mn-ea"/>
-                <a:cs typeface="+mn-cs"/>
-              </a:defRPr>
-            </a:lvl5pPr>
-            <a:lvl6pPr marL="2514600" indent="-228600" algn="l" defTabSz="914400" rtl="0" eaLnBrk="1" latinLnBrk="0" hangingPunct="1">
-              <a:lnSpc>
-                <a:spcPct val="90000"/>
-              </a:lnSpc>
-              <a:spcBef>
-                <a:spcPts val="500"/>
-              </a:spcBef>
-              <a:buFont typeface="Arial" panose="020B0604020202020204" pitchFamily="34" charset="0"/>
-              <a:buChar char="•"/>
-              <a:defRPr sz="1800" kern="1200">
-                <a:solidFill>
-                  <a:schemeClr val="tx1"/>
-                </a:solidFill>
-                <a:latin typeface="+mn-lt"/>
-                <a:ea typeface="+mn-ea"/>
-                <a:cs typeface="+mn-cs"/>
-              </a:defRPr>
-            </a:lvl6pPr>
-            <a:lvl7pPr marL="2971800" indent="-228600" algn="l" defTabSz="914400" rtl="0" eaLnBrk="1" latinLnBrk="0" hangingPunct="1">
-              <a:lnSpc>
-                <a:spcPct val="90000"/>
-              </a:lnSpc>
-              <a:spcBef>
-                <a:spcPts val="500"/>
-              </a:spcBef>
-              <a:buFont typeface="Arial" panose="020B0604020202020204" pitchFamily="34" charset="0"/>
-              <a:buChar char="•"/>
-              <a:defRPr sz="1800" kern="1200">
-                <a:solidFill>
-                  <a:schemeClr val="tx1"/>
-                </a:solidFill>
-                <a:latin typeface="+mn-lt"/>
-                <a:ea typeface="+mn-ea"/>
-                <a:cs typeface="+mn-cs"/>
-              </a:defRPr>
-            </a:lvl7pPr>
-            <a:lvl8pPr marL="3429000" indent="-228600" algn="l" defTabSz="914400" rtl="0" eaLnBrk="1" latinLnBrk="0" hangingPunct="1">
-              <a:lnSpc>
-                <a:spcPct val="90000"/>
-              </a:lnSpc>
-              <a:spcBef>
-                <a:spcPts val="500"/>
-              </a:spcBef>
-              <a:buFont typeface="Arial" panose="020B0604020202020204" pitchFamily="34" charset="0"/>
-              <a:buChar char="•"/>
-              <a:defRPr sz="1800" kern="1200">
-                <a:solidFill>
-                  <a:schemeClr val="tx1"/>
-                </a:solidFill>
-                <a:latin typeface="+mn-lt"/>
-                <a:ea typeface="+mn-ea"/>
-                <a:cs typeface="+mn-cs"/>
-              </a:defRPr>
-            </a:lvl8pPr>
-            <a:lvl9pPr marL="3886200" indent="-228600" algn="l" defTabSz="914400" rtl="0" eaLnBrk="1" latinLnBrk="0" hangingPunct="1">
-              <a:lnSpc>
-                <a:spcPct val="90000"/>
-              </a:lnSpc>
-              <a:spcBef>
-                <a:spcPts val="500"/>
-              </a:spcBef>
-              <a:buFont typeface="Arial" panose="020B0604020202020204" pitchFamily="34" charset="0"/>
-              <a:buChar char="•"/>
-              <a:defRPr sz="1800" kern="1200">
-                <a:solidFill>
-                  <a:schemeClr val="tx1"/>
-                </a:solidFill>
-                <a:latin typeface="+mn-lt"/>
-                <a:ea typeface="+mn-ea"/>
-                <a:cs typeface="+mn-cs"/>
-              </a:defRPr>
-            </a:lvl9pPr>
-          </a:lstStyle>
-          <a:p>
-            <a:pPr marL="0" indent="0">
-              <a:buNone/>
-            </a:pPr>
-            <a:r>
-              <a:rPr lang="ro-RO" sz="1800" dirty="0">
-                <a:solidFill>
-                  <a:schemeClr val="accent1"/>
-                </a:solidFill>
-                <a:latin typeface="Constantia"/>
-              </a:rPr>
-              <a:t>Echipa Produse Inovative:</a:t>
-            </a:r>
-            <a:br>
-              <a:rPr lang="ro-RO" sz="1800" dirty="0">
-                <a:solidFill>
-                  <a:schemeClr val="accent1"/>
-                </a:solidFill>
-                <a:latin typeface="Constantia"/>
-              </a:rPr>
-            </a:br>
-            <a:r>
-              <a:rPr lang="ro-RO" sz="1800" dirty="0">
-                <a:solidFill>
-                  <a:schemeClr val="accent1"/>
-                </a:solidFill>
-                <a:latin typeface="Constantia"/>
-              </a:rPr>
-              <a:t>- Bugnaru Tudor-Eduard</a:t>
-            </a:r>
-            <a:br>
-              <a:rPr lang="ro-RO" sz="1800" dirty="0">
-                <a:solidFill>
-                  <a:schemeClr val="accent1"/>
-                </a:solidFill>
-                <a:latin typeface="Constantia"/>
-              </a:rPr>
-            </a:br>
-            <a:r>
-              <a:rPr lang="ro-RO" sz="1800" dirty="0">
-                <a:solidFill>
-                  <a:schemeClr val="accent1"/>
-                </a:solidFill>
-                <a:latin typeface="Constantia"/>
-              </a:rPr>
-              <a:t>- Bordianu Raul</a:t>
-            </a:r>
-            <a:br>
-              <a:rPr lang="ro-RO" sz="1800" dirty="0">
-                <a:solidFill>
-                  <a:schemeClr val="accent1"/>
-                </a:solidFill>
-                <a:latin typeface="Constantia"/>
-              </a:rPr>
-            </a:br>
-            <a:r>
-              <a:rPr lang="ro-RO" sz="1800" dirty="0">
-                <a:solidFill>
-                  <a:schemeClr val="accent1"/>
-                </a:solidFill>
-                <a:latin typeface="Constantia"/>
-              </a:rPr>
-              <a:t/>
-            </a:r>
-            <a:br>
-              <a:rPr lang="ro-RO" sz="1800" dirty="0">
-                <a:solidFill>
-                  <a:schemeClr val="accent1"/>
-                </a:solidFill>
-                <a:latin typeface="Constantia"/>
-              </a:rPr>
-            </a:br>
-            <a:r>
-              <a:rPr lang="ro-RO" sz="1800" dirty="0">
-                <a:solidFill>
-                  <a:schemeClr val="accent1"/>
-                </a:solidFill>
-                <a:latin typeface="Constantia"/>
-              </a:rPr>
-              <a:t>Echipa Inteligență Artificială: </a:t>
-            </a:r>
-            <a:br>
-              <a:rPr lang="ro-RO" sz="1800" dirty="0">
-                <a:solidFill>
-                  <a:schemeClr val="accent1"/>
-                </a:solidFill>
-                <a:latin typeface="Constantia"/>
-              </a:rPr>
-            </a:br>
-            <a:r>
-              <a:rPr lang="ro-RO" sz="1800" dirty="0">
-                <a:solidFill>
-                  <a:schemeClr val="accent1"/>
-                </a:solidFill>
-                <a:latin typeface="Constantia"/>
-              </a:rPr>
-              <a:t>- Toth Alexandra-Melania</a:t>
-            </a:r>
-            <a:br>
-              <a:rPr lang="ro-RO" sz="1800" dirty="0">
-                <a:solidFill>
-                  <a:schemeClr val="accent1"/>
-                </a:solidFill>
-                <a:latin typeface="Constantia"/>
-              </a:rPr>
-            </a:br>
-            <a:r>
-              <a:rPr lang="ro-RO" sz="1800" dirty="0">
-                <a:solidFill>
-                  <a:schemeClr val="accent1"/>
-                </a:solidFill>
-                <a:latin typeface="Constantia"/>
-              </a:rPr>
-              <a:t>- Vlădău Andra-Ioana</a:t>
-            </a:r>
-            <a:br>
-              <a:rPr lang="ro-RO" sz="1800" dirty="0">
-                <a:solidFill>
-                  <a:schemeClr val="accent1"/>
-                </a:solidFill>
-                <a:latin typeface="Constantia"/>
-              </a:rPr>
-            </a:br>
-            <a:r>
-              <a:rPr lang="ro-RO" sz="1800" dirty="0">
-                <a:solidFill>
-                  <a:schemeClr val="accent1"/>
-                </a:solidFill>
-                <a:latin typeface="Constantia"/>
-              </a:rPr>
-              <a:t>- Mihalcea Alexandru-Ioan</a:t>
-            </a:r>
-          </a:p>
-          <a:p>
-            <a:pPr>
-              <a:buFont typeface="Arial"/>
-              <a:buChar char="•"/>
-            </a:pPr>
-            <a:endParaRPr lang="en-US" sz="1800" dirty="0">
-              <a:solidFill>
-                <a:schemeClr val="accent1"/>
-              </a:solidFill>
-              <a:latin typeface="Gill Sans Nova Light"/>
-            </a:endParaRPr>
-          </a:p>
-          <a:p>
-            <a:pPr marL="0" indent="0">
-              <a:buNone/>
-            </a:pPr>
-            <a:endParaRPr lang="en-US" sz="1800" dirty="0">
-              <a:solidFill>
-                <a:schemeClr val="accent1"/>
-              </a:solidFill>
-              <a:latin typeface="Sagona Book"/>
-            </a:endParaRPr>
-          </a:p>
-        </p:txBody>
-      </p:sp>
     </p:spTree>
     <p:extLst>
       <p:ext uri="{BB962C8B-B14F-4D97-AF65-F5344CB8AC3E}">
@@ -36109,7 +35762,7 @@
           <p:cNvPr id="2" name="Title 1">
             <a:extLst>
               <a:ext uri="{FF2B5EF4-FFF2-40B4-BE49-F238E27FC236}">
-                <a16:creationId xmlns:a16="http://schemas.microsoft.com/office/drawing/2014/main" xmlns="" id="{2403EE45-3924-5A20-4FDE-7EA6BBEBD06F}"/>
+                <a16:creationId xmlns="" xmlns:a16="http://schemas.microsoft.com/office/drawing/2014/main" id="{2403EE45-3924-5A20-4FDE-7EA6BBEBD06F}"/>
               </a:ext>
             </a:extLst>
           </p:cNvPr>
@@ -36143,7 +35796,7 @@
           <p:cNvPr id="5" name="Content Placeholder 7">
             <a:extLst>
               <a:ext uri="{FF2B5EF4-FFF2-40B4-BE49-F238E27FC236}">
-                <a16:creationId xmlns:a16="http://schemas.microsoft.com/office/drawing/2014/main" xmlns="" id="{0BC116FE-E0EA-B5B6-D8AD-8B301F34EB20}"/>
+                <a16:creationId xmlns="" xmlns:a16="http://schemas.microsoft.com/office/drawing/2014/main" id="{0BC116FE-E0EA-B5B6-D8AD-8B301F34EB20}"/>
               </a:ext>
             </a:extLst>
           </p:cNvPr>
@@ -36369,7 +36022,7 @@
           <p:cNvPr id="9" name="Picture Placeholder 8" descr="anxiety.jpeg">
             <a:extLst>
               <a:ext uri="{FF2B5EF4-FFF2-40B4-BE49-F238E27FC236}">
-                <a16:creationId xmlns:a16="http://schemas.microsoft.com/office/drawing/2014/main" xmlns="" id="{AA284C6B-A14E-EFE4-2E16-26787A3540BB}"/>
+                <a16:creationId xmlns="" xmlns:a16="http://schemas.microsoft.com/office/drawing/2014/main" id="{AA284C6B-A14E-EFE4-2E16-26787A3540BB}"/>
               </a:ext>
             </a:extLst>
           </p:cNvPr>
@@ -36450,7 +36103,7 @@
           <p:cNvPr id="2" name="Title 1">
             <a:extLst>
               <a:ext uri="{FF2B5EF4-FFF2-40B4-BE49-F238E27FC236}">
-                <a16:creationId xmlns:a16="http://schemas.microsoft.com/office/drawing/2014/main" xmlns="" id="{BECF3B68-2ADF-E477-06E0-5DF2B78E5F63}"/>
+                <a16:creationId xmlns="" xmlns:a16="http://schemas.microsoft.com/office/drawing/2014/main" id="{BECF3B68-2ADF-E477-06E0-5DF2B78E5F63}"/>
               </a:ext>
             </a:extLst>
           </p:cNvPr>
@@ -36519,7 +36172,7 @@
           <p:cNvPr id="19" name="Title 18">
             <a:extLst>
               <a:ext uri="{FF2B5EF4-FFF2-40B4-BE49-F238E27FC236}">
-                <a16:creationId xmlns:a16="http://schemas.microsoft.com/office/drawing/2014/main" xmlns="" id="{A7BE12AD-D808-BDE0-3EB8-5BC50B1D8474}"/>
+                <a16:creationId xmlns="" xmlns:a16="http://schemas.microsoft.com/office/drawing/2014/main" id="{A7BE12AD-D808-BDE0-3EB8-5BC50B1D8474}"/>
               </a:ext>
             </a:extLst>
           </p:cNvPr>
@@ -36553,7 +36206,7 @@
           <p:cNvPr id="8" name="Content Placeholder 7">
             <a:extLst>
               <a:ext uri="{FF2B5EF4-FFF2-40B4-BE49-F238E27FC236}">
-                <a16:creationId xmlns:a16="http://schemas.microsoft.com/office/drawing/2014/main" xmlns="" id="{BCFDA37B-399A-B9F0-7A7D-2A891EB7FFA6}"/>
+                <a16:creationId xmlns="" xmlns:a16="http://schemas.microsoft.com/office/drawing/2014/main" id="{BCFDA37B-399A-B9F0-7A7D-2A891EB7FFA6}"/>
               </a:ext>
             </a:extLst>
           </p:cNvPr>
@@ -36754,7 +36407,7 @@
           <p:cNvPr id="3" name="Slide Number Placeholder 2">
             <a:extLst>
               <a:ext uri="{FF2B5EF4-FFF2-40B4-BE49-F238E27FC236}">
-                <a16:creationId xmlns:a16="http://schemas.microsoft.com/office/drawing/2014/main" xmlns="" id="{50CD348E-9357-0442-4555-AF6B4AFE34B6}"/>
+                <a16:creationId xmlns="" xmlns:a16="http://schemas.microsoft.com/office/drawing/2014/main" id="{50CD348E-9357-0442-4555-AF6B4AFE34B6}"/>
               </a:ext>
             </a:extLst>
           </p:cNvPr>
@@ -36819,7 +36472,7 @@
           <p:cNvPr id="2" name="Slide Number Placeholder 1">
             <a:extLst>
               <a:ext uri="{FF2B5EF4-FFF2-40B4-BE49-F238E27FC236}">
-                <a16:creationId xmlns:a16="http://schemas.microsoft.com/office/drawing/2014/main" xmlns="" id="{C5BD9076-3A98-EC37-6EDA-1F242D5BB468}"/>
+                <a16:creationId xmlns="" xmlns:a16="http://schemas.microsoft.com/office/drawing/2014/main" id="{C5BD9076-3A98-EC37-6EDA-1F242D5BB468}"/>
               </a:ext>
             </a:extLst>
           </p:cNvPr>
@@ -36849,7 +36502,7 @@
           <p:cNvPr id="4" name="Content Placeholder 7">
             <a:extLst>
               <a:ext uri="{FF2B5EF4-FFF2-40B4-BE49-F238E27FC236}">
-                <a16:creationId xmlns:a16="http://schemas.microsoft.com/office/drawing/2014/main" xmlns="" id="{D43FD858-E7C3-E30A-89E7-DA5939CB0EC3}"/>
+                <a16:creationId xmlns="" xmlns:a16="http://schemas.microsoft.com/office/drawing/2014/main" id="{D43FD858-E7C3-E30A-89E7-DA5939CB0EC3}"/>
               </a:ext>
             </a:extLst>
           </p:cNvPr>
@@ -37067,7 +36720,7 @@
           <p:cNvPr id="5" name="Picture 4" descr="A diagram of a software application&#10;&#10;AI-generated content may be incorrect.">
             <a:extLst>
               <a:ext uri="{FF2B5EF4-FFF2-40B4-BE49-F238E27FC236}">
-                <a16:creationId xmlns:a16="http://schemas.microsoft.com/office/drawing/2014/main" xmlns="" id="{3FF2CAB3-28F1-C79A-0FEA-F43E835C7EEF}"/>
+                <a16:creationId xmlns="" xmlns:a16="http://schemas.microsoft.com/office/drawing/2014/main" id="{3FF2CAB3-28F1-C79A-0FEA-F43E835C7EEF}"/>
               </a:ext>
             </a:extLst>
           </p:cNvPr>
@@ -37139,7 +36792,7 @@
           <p:cNvPr id="2" name="Title 1">
             <a:extLst>
               <a:ext uri="{FF2B5EF4-FFF2-40B4-BE49-F238E27FC236}">
-                <a16:creationId xmlns:a16="http://schemas.microsoft.com/office/drawing/2014/main" xmlns="" id="{4B0040D5-EFFC-A5BC-19BC-C0396B3D5D6A}"/>
+                <a16:creationId xmlns="" xmlns:a16="http://schemas.microsoft.com/office/drawing/2014/main" id="{4B0040D5-EFFC-A5BC-19BC-C0396B3D5D6A}"/>
               </a:ext>
             </a:extLst>
           </p:cNvPr>
@@ -37178,7 +36831,7 @@
           <p:cNvPr id="5" name="Slide Number Placeholder 4">
             <a:extLst>
               <a:ext uri="{FF2B5EF4-FFF2-40B4-BE49-F238E27FC236}">
-                <a16:creationId xmlns:a16="http://schemas.microsoft.com/office/drawing/2014/main" xmlns="" id="{0351CF17-3BF4-2988-9669-60C4806BFDA2}"/>
+                <a16:creationId xmlns="" xmlns:a16="http://schemas.microsoft.com/office/drawing/2014/main" id="{0351CF17-3BF4-2988-9669-60C4806BFDA2}"/>
               </a:ext>
             </a:extLst>
           </p:cNvPr>
@@ -37208,7 +36861,7 @@
           <p:cNvPr id="13" name="Rectangle: Folded Corner 12">
             <a:extLst>
               <a:ext uri="{FF2B5EF4-FFF2-40B4-BE49-F238E27FC236}">
-                <a16:creationId xmlns:a16="http://schemas.microsoft.com/office/drawing/2014/main" xmlns="" id="{D52D82A6-CC8F-415D-A6EA-3E3C8AF185EA}"/>
+                <a16:creationId xmlns="" xmlns:a16="http://schemas.microsoft.com/office/drawing/2014/main" id="{D52D82A6-CC8F-415D-A6EA-3E3C8AF185EA}"/>
               </a:ext>
             </a:extLst>
           </p:cNvPr>
@@ -37513,7 +37166,7 @@
           <p:cNvPr id="14" name="Rectangle: Folded Corner 13">
             <a:extLst>
               <a:ext uri="{FF2B5EF4-FFF2-40B4-BE49-F238E27FC236}">
-                <a16:creationId xmlns:a16="http://schemas.microsoft.com/office/drawing/2014/main" xmlns="" id="{E6F642C2-613F-5B54-3C9E-55759573087E}"/>
+                <a16:creationId xmlns="" xmlns:a16="http://schemas.microsoft.com/office/drawing/2014/main" id="{E6F642C2-613F-5B54-3C9E-55759573087E}"/>
               </a:ext>
             </a:extLst>
           </p:cNvPr>
@@ -37692,7 +37345,7 @@
           <p:cNvPr id="2" name="Title 1">
             <a:extLst>
               <a:ext uri="{FF2B5EF4-FFF2-40B4-BE49-F238E27FC236}">
-                <a16:creationId xmlns:a16="http://schemas.microsoft.com/office/drawing/2014/main" xmlns="" id="{BED89529-89D9-1A73-8EFA-8E2600886BF5}"/>
+                <a16:creationId xmlns="" xmlns:a16="http://schemas.microsoft.com/office/drawing/2014/main" id="{BED89529-89D9-1A73-8EFA-8E2600886BF5}"/>
               </a:ext>
             </a:extLst>
           </p:cNvPr>
@@ -37726,7 +37379,7 @@
           <p:cNvPr id="3" name="Content Placeholder 2">
             <a:extLst>
               <a:ext uri="{FF2B5EF4-FFF2-40B4-BE49-F238E27FC236}">
-                <a16:creationId xmlns:a16="http://schemas.microsoft.com/office/drawing/2014/main" xmlns="" id="{A9B3BC2F-CE72-0977-313F-1F98CE3CE86D}"/>
+                <a16:creationId xmlns="" xmlns:a16="http://schemas.microsoft.com/office/drawing/2014/main" id="{A9B3BC2F-CE72-0977-313F-1F98CE3CE86D}"/>
               </a:ext>
             </a:extLst>
           </p:cNvPr>
@@ -38041,7 +37694,7 @@
           <p:cNvPr id="5" name="Slide Number Placeholder 4">
             <a:extLst>
               <a:ext uri="{FF2B5EF4-FFF2-40B4-BE49-F238E27FC236}">
-                <a16:creationId xmlns:a16="http://schemas.microsoft.com/office/drawing/2014/main" xmlns="" id="{B75526EB-4BBC-D7C3-7FF1-01F4BCBF53E9}"/>
+                <a16:creationId xmlns="" xmlns:a16="http://schemas.microsoft.com/office/drawing/2014/main" id="{B75526EB-4BBC-D7C3-7FF1-01F4BCBF53E9}"/>
               </a:ext>
             </a:extLst>
           </p:cNvPr>
@@ -38101,7 +37754,7 @@
           <p:cNvPr id="2" name="Title 1">
             <a:extLst>
               <a:ext uri="{FF2B5EF4-FFF2-40B4-BE49-F238E27FC236}">
-                <a16:creationId xmlns:a16="http://schemas.microsoft.com/office/drawing/2014/main" xmlns="" id="{A6FC702B-2B02-C2AC-B538-0297CCB2370D}"/>
+                <a16:creationId xmlns="" xmlns:a16="http://schemas.microsoft.com/office/drawing/2014/main" id="{A6FC702B-2B02-C2AC-B538-0297CCB2370D}"/>
               </a:ext>
             </a:extLst>
           </p:cNvPr>
@@ -38135,7 +37788,7 @@
           <p:cNvPr id="5" name="Slide Number Placeholder 4">
             <a:extLst>
               <a:ext uri="{FF2B5EF4-FFF2-40B4-BE49-F238E27FC236}">
-                <a16:creationId xmlns:a16="http://schemas.microsoft.com/office/drawing/2014/main" xmlns="" id="{0CA777D0-B69C-F920-412B-452F0B0A08E3}"/>
+                <a16:creationId xmlns="" xmlns:a16="http://schemas.microsoft.com/office/drawing/2014/main" id="{0CA777D0-B69C-F920-412B-452F0B0A08E3}"/>
               </a:ext>
             </a:extLst>
           </p:cNvPr>
@@ -38165,7 +37818,7 @@
           <p:cNvPr id="7" name="Picture 6" descr="A screenshot of a computer program&#10;&#10;AI-generated content may be incorrect.">
             <a:extLst>
               <a:ext uri="{FF2B5EF4-FFF2-40B4-BE49-F238E27FC236}">
-                <a16:creationId xmlns:a16="http://schemas.microsoft.com/office/drawing/2014/main" xmlns="" id="{A161EE81-E071-0F0B-411C-EAC4725EA047}"/>
+                <a16:creationId xmlns="" xmlns:a16="http://schemas.microsoft.com/office/drawing/2014/main" id="{A161EE81-E071-0F0B-411C-EAC4725EA047}"/>
               </a:ext>
             </a:extLst>
           </p:cNvPr>
@@ -38195,7 +37848,7 @@
           <p:cNvPr id="8" name="Picture 7" descr="A screenshot of a computer&#10;&#10;AI-generated content may be incorrect.">
             <a:extLst>
               <a:ext uri="{FF2B5EF4-FFF2-40B4-BE49-F238E27FC236}">
-                <a16:creationId xmlns:a16="http://schemas.microsoft.com/office/drawing/2014/main" xmlns="" id="{ADA4E6B0-4D52-33F3-DCBC-5D304DD621FC}"/>
+                <a16:creationId xmlns="" xmlns:a16="http://schemas.microsoft.com/office/drawing/2014/main" id="{ADA4E6B0-4D52-33F3-DCBC-5D304DD621FC}"/>
               </a:ext>
             </a:extLst>
           </p:cNvPr>
@@ -39025,6 +38678,26 @@
 </file>
 
 <file path=customXml/item1.xml><?xml version="1.0" encoding="utf-8"?>
+<p:properties xmlns:p="http://schemas.microsoft.com/office/2006/metadata/properties" xmlns:xsi="http://www.w3.org/2001/XMLSchema-instance" xmlns:pc="http://schemas.microsoft.com/office/infopath/2007/PartnerControls">
+  <documentManagement>
+    <_ip_UnifiedCompliancePolicyUIAction xmlns="http://schemas.microsoft.com/sharepoint/v3" xsi:nil="true"/>
+    <Image xmlns="71af3243-3dd4-4a8d-8c0d-dd76da1f02a5">
+      <Url xsi:nil="true"/>
+      <Description xsi:nil="true"/>
+    </Image>
+    <Status xmlns="71af3243-3dd4-4a8d-8c0d-dd76da1f02a5">Not started</Status>
+    <Background xmlns="71af3243-3dd4-4a8d-8c0d-dd76da1f02a5">false</Background>
+    <_ip_UnifiedCompliancePolicyProperties xmlns="http://schemas.microsoft.com/sharepoint/v3" xsi:nil="true"/>
+    <ImageTagsTaxHTField xmlns="71af3243-3dd4-4a8d-8c0d-dd76da1f02a5">
+      <Terms xmlns="http://schemas.microsoft.com/office/infopath/2007/PartnerControls"/>
+    </ImageTagsTaxHTField>
+    <TaxCatchAll xmlns="230e9df3-be65-4c73-a93b-d1236ebd677e" xsi:nil="true"/>
+    <MediaServiceKeyPoints xmlns="71af3243-3dd4-4a8d-8c0d-dd76da1f02a5" xsi:nil="true"/>
+  </documentManagement>
+</p:properties>
+</file>
+
+<file path=customXml/item2.xml><?xml version="1.0" encoding="utf-8"?>
 <ct:contentTypeSchema xmlns:ct="http://schemas.microsoft.com/office/2006/metadata/contentType" xmlns:ma="http://schemas.microsoft.com/office/2006/metadata/properties/metaAttributes" ct:_="" ma:_="" ma:contentTypeName="Document" ma:contentTypeID="0x01010079F111ED35F8CC479449609E8A0923A6" ma:contentTypeVersion="28" ma:contentTypeDescription="Create a new document." ma:contentTypeScope="" ma:versionID="60f5a4f2d2b0abadcf532d48ebf9cb71">
   <xsd:schema xmlns:xsd="http://www.w3.org/2001/XMLSchema" xmlns:xs="http://www.w3.org/2001/XMLSchema" xmlns:p="http://schemas.microsoft.com/office/2006/metadata/properties" xmlns:ns1="http://schemas.microsoft.com/sharepoint/v3" xmlns:ns2="71af3243-3dd4-4a8d-8c0d-dd76da1f02a5" xmlns:ns3="16c05727-aa75-4e4a-9b5f-8a80a1165891" xmlns:ns4="230e9df3-be65-4c73-a93b-d1236ebd677e" targetNamespace="http://schemas.microsoft.com/office/2006/metadata/properties" ma:root="true" ma:fieldsID="7dd78129e6a1811f84807ad11c651531" ns1:_="" ns2:_="" ns3:_="" ns4:_="">
     <xsd:import namespace="http://schemas.microsoft.com/sharepoint/v3"/>
@@ -39336,26 +39009,6 @@
 </ct:contentTypeSchema>
 </file>
 
-<file path=customXml/item2.xml><?xml version="1.0" encoding="utf-8"?>
-<p:properties xmlns:p="http://schemas.microsoft.com/office/2006/metadata/properties" xmlns:xsi="http://www.w3.org/2001/XMLSchema-instance" xmlns:pc="http://schemas.microsoft.com/office/infopath/2007/PartnerControls">
-  <documentManagement>
-    <_ip_UnifiedCompliancePolicyUIAction xmlns="http://schemas.microsoft.com/sharepoint/v3" xsi:nil="true"/>
-    <Image xmlns="71af3243-3dd4-4a8d-8c0d-dd76da1f02a5">
-      <Url xsi:nil="true"/>
-      <Description xsi:nil="true"/>
-    </Image>
-    <Status xmlns="71af3243-3dd4-4a8d-8c0d-dd76da1f02a5">Not started</Status>
-    <Background xmlns="71af3243-3dd4-4a8d-8c0d-dd76da1f02a5">false</Background>
-    <_ip_UnifiedCompliancePolicyProperties xmlns="http://schemas.microsoft.com/sharepoint/v3" xsi:nil="true"/>
-    <ImageTagsTaxHTField xmlns="71af3243-3dd4-4a8d-8c0d-dd76da1f02a5">
-      <Terms xmlns="http://schemas.microsoft.com/office/infopath/2007/PartnerControls"/>
-    </ImageTagsTaxHTField>
-    <TaxCatchAll xmlns="230e9df3-be65-4c73-a93b-d1236ebd677e" xsi:nil="true"/>
-    <MediaServiceKeyPoints xmlns="71af3243-3dd4-4a8d-8c0d-dd76da1f02a5" xsi:nil="true"/>
-  </documentManagement>
-</p:properties>
-</file>
-
 <file path=customXml/item3.xml><?xml version="1.0" encoding="utf-8"?>
 <?mso-contentType ?>
 <FormTemplates xmlns="http://schemas.microsoft.com/sharepoint/v3/contenttype/forms">
@@ -39366,6 +39019,25 @@
 </file>
 
 <file path=customXml/itemProps1.xml><?xml version="1.0" encoding="utf-8"?>
+<ds:datastoreItem xmlns:ds="http://schemas.openxmlformats.org/officeDocument/2006/customXml" ds:itemID="{85DF9CEC-52C2-4D14-B2F5-11176002A8B6}">
+  <ds:schemaRefs>
+    <ds:schemaRef ds:uri="http://purl.org/dc/elements/1.1/"/>
+    <ds:schemaRef ds:uri="http://schemas.microsoft.com/office/2006/documentManagement/types"/>
+    <ds:schemaRef ds:uri="http://schemas.microsoft.com/sharepoint/v3"/>
+    <ds:schemaRef ds:uri="230e9df3-be65-4c73-a93b-d1236ebd677e"/>
+    <ds:schemaRef ds:uri="http://purl.org/dc/terms/"/>
+    <ds:schemaRef ds:uri="http://schemas.openxmlformats.org/package/2006/metadata/core-properties"/>
+    <ds:schemaRef ds:uri="16c05727-aa75-4e4a-9b5f-8a80a1165891"/>
+    <ds:schemaRef ds:uri="http://purl.org/dc/dcmitype/"/>
+    <ds:schemaRef ds:uri="http://schemas.microsoft.com/office/infopath/2007/PartnerControls"/>
+    <ds:schemaRef ds:uri="71af3243-3dd4-4a8d-8c0d-dd76da1f02a5"/>
+    <ds:schemaRef ds:uri="http://schemas.microsoft.com/office/2006/metadata/properties"/>
+    <ds:schemaRef ds:uri="http://www.w3.org/XML/1998/namespace"/>
+  </ds:schemaRefs>
+</ds:datastoreItem>
+</file>
+
+<file path=customXml/itemProps2.xml><?xml version="1.0" encoding="utf-8"?>
 <ds:datastoreItem xmlns:ds="http://schemas.openxmlformats.org/officeDocument/2006/customXml" ds:itemID="{4D8B1D1D-0064-435C-8533-29A36067B8ED}">
   <ds:schemaRefs>
     <ds:schemaRef ds:uri="http://schemas.microsoft.com/office/2006/metadata/contentType"/>
@@ -39386,25 +39058,6 @@
 </ds:datastoreItem>
 </file>
 
-<file path=customXml/itemProps2.xml><?xml version="1.0" encoding="utf-8"?>
-<ds:datastoreItem xmlns:ds="http://schemas.openxmlformats.org/officeDocument/2006/customXml" ds:itemID="{85DF9CEC-52C2-4D14-B2F5-11176002A8B6}">
-  <ds:schemaRefs>
-    <ds:schemaRef ds:uri="http://purl.org/dc/elements/1.1/"/>
-    <ds:schemaRef ds:uri="http://schemas.microsoft.com/office/2006/documentManagement/types"/>
-    <ds:schemaRef ds:uri="http://schemas.microsoft.com/sharepoint/v3"/>
-    <ds:schemaRef ds:uri="230e9df3-be65-4c73-a93b-d1236ebd677e"/>
-    <ds:schemaRef ds:uri="http://purl.org/dc/terms/"/>
-    <ds:schemaRef ds:uri="http://schemas.openxmlformats.org/package/2006/metadata/core-properties"/>
-    <ds:schemaRef ds:uri="16c05727-aa75-4e4a-9b5f-8a80a1165891"/>
-    <ds:schemaRef ds:uri="http://purl.org/dc/dcmitype/"/>
-    <ds:schemaRef ds:uri="http://schemas.microsoft.com/office/infopath/2007/PartnerControls"/>
-    <ds:schemaRef ds:uri="71af3243-3dd4-4a8d-8c0d-dd76da1f02a5"/>
-    <ds:schemaRef ds:uri="http://schemas.microsoft.com/office/2006/metadata/properties"/>
-    <ds:schemaRef ds:uri="http://www.w3.org/XML/1998/namespace"/>
-  </ds:schemaRefs>
-</ds:datastoreItem>
-</file>
-
 <file path=customXml/itemProps3.xml><?xml version="1.0" encoding="utf-8"?>
 <ds:datastoreItem xmlns:ds="http://schemas.openxmlformats.org/officeDocument/2006/customXml" ds:itemID="{1249AD37-9510-4A2D-B790-12C439A83F93}">
   <ds:schemaRefs>
